--- a/m4-4-Files-Exept/презентация.pptx
+++ b/m4-4-Files-Exept/презентация.pptx
@@ -5,31 +5,34 @@
     <p:sldMasterId id="2147483670" r:id="rId1"/>
   </p:sldMasterIdLst>
   <p:notesMasterIdLst>
-    <p:notesMasterId r:id="rId9"/>
+    <p:notesMasterId r:id="rId12"/>
   </p:notesMasterIdLst>
   <p:sldIdLst>
     <p:sldId id="256" r:id="rId2"/>
     <p:sldId id="270" r:id="rId3"/>
-    <p:sldId id="275" r:id="rId4"/>
-    <p:sldId id="274" r:id="rId5"/>
-    <p:sldId id="273" r:id="rId6"/>
-    <p:sldId id="276" r:id="rId7"/>
-    <p:sldId id="267" r:id="rId8"/>
+    <p:sldId id="279" r:id="rId4"/>
+    <p:sldId id="278" r:id="rId5"/>
+    <p:sldId id="276" r:id="rId6"/>
+    <p:sldId id="277" r:id="rId7"/>
+    <p:sldId id="275" r:id="rId8"/>
+    <p:sldId id="274" r:id="rId9"/>
+    <p:sldId id="273" r:id="rId10"/>
+    <p:sldId id="267" r:id="rId11"/>
   </p:sldIdLst>
   <p:sldSz cx="12192000" cy="6858000"/>
   <p:notesSz cx="6858000" cy="9144000"/>
   <p:embeddedFontLst>
     <p:embeddedFont>
       <p:font typeface="Calibri" panose="020F0502020204030204" pitchFamily="34" charset="0"/>
-      <p:regular r:id="rId10"/>
-      <p:bold r:id="rId11"/>
-      <p:italic r:id="rId12"/>
-      <p:boldItalic r:id="rId13"/>
+      <p:regular r:id="rId13"/>
+      <p:bold r:id="rId14"/>
+      <p:italic r:id="rId15"/>
+      <p:boldItalic r:id="rId16"/>
     </p:embeddedFont>
     <p:embeddedFont>
       <p:font typeface="Gill Sans" panose="020B0604020202020204" charset="0"/>
-      <p:regular r:id="rId14"/>
-      <p:bold r:id="rId15"/>
+      <p:regular r:id="rId17"/>
+      <p:bold r:id="rId18"/>
     </p:embeddedFont>
   </p:embeddedFontLst>
   <p:defaultTextStyle>
@@ -1706,6 +1709,170 @@
 </p:notes>
 </file>
 
+<file path=ppt/notesSlides/notesSlide10.xml><?xml version="1.0" encoding="utf-8"?>
+<p:notes xmlns:a="http://schemas.openxmlformats.org/drawingml/2006/main" xmlns:r="http://schemas.openxmlformats.org/officeDocument/2006/relationships" xmlns:p="http://schemas.openxmlformats.org/presentationml/2006/main" showMasterSp="0" showMasterPhAnim="0">
+  <p:cSld>
+    <p:spTree>
+      <p:nvGrpSpPr>
+        <p:cNvPr id="1" name="Shape 317"/>
+        <p:cNvGrpSpPr/>
+        <p:nvPr/>
+      </p:nvGrpSpPr>
+      <p:grpSpPr>
+        <a:xfrm>
+          <a:off x="0" y="0"/>
+          <a:ext cx="0" cy="0"/>
+          <a:chOff x="0" y="0"/>
+          <a:chExt cx="0" cy="0"/>
+        </a:xfrm>
+      </p:grpSpPr>
+      <p:sp>
+        <p:nvSpPr>
+          <p:cNvPr id="318" name="Google Shape;318;p9:notes"/>
+          <p:cNvSpPr>
+            <a:spLocks noGrp="1" noRot="1" noChangeAspect="1"/>
+          </p:cNvSpPr>
+          <p:nvPr>
+            <p:ph type="sldImg" idx="2"/>
+          </p:nvPr>
+        </p:nvSpPr>
+        <p:spPr>
+          <a:xfrm>
+            <a:off x="381000" y="685800"/>
+            <a:ext cx="6096000" cy="3429000"/>
+          </a:xfrm>
+          <a:custGeom>
+            <a:avLst/>
+            <a:gdLst/>
+            <a:ahLst/>
+            <a:cxnLst/>
+            <a:rect l="l" t="t" r="r" b="b"/>
+            <a:pathLst>
+              <a:path w="120000" h="120000" extrusionOk="0">
+                <a:moveTo>
+                  <a:pt x="0" y="0"/>
+                </a:moveTo>
+                <a:lnTo>
+                  <a:pt x="120000" y="0"/>
+                </a:lnTo>
+                <a:lnTo>
+                  <a:pt x="120000" y="120000"/>
+                </a:lnTo>
+                <a:lnTo>
+                  <a:pt x="0" y="120000"/>
+                </a:lnTo>
+                <a:close/>
+              </a:path>
+            </a:pathLst>
+          </a:custGeom>
+          <a:noFill/>
+          <a:ln w="12700" cap="flat" cmpd="sng">
+            <a:solidFill>
+              <a:srgbClr val="000000"/>
+            </a:solidFill>
+            <a:prstDash val="solid"/>
+            <a:round/>
+            <a:headEnd type="none" w="sm" len="sm"/>
+            <a:tailEnd type="none" w="sm" len="sm"/>
+          </a:ln>
+        </p:spPr>
+      </p:sp>
+      <p:sp>
+        <p:nvSpPr>
+          <p:cNvPr id="319" name="Google Shape;319;p9:notes"/>
+          <p:cNvSpPr txBox="1">
+            <a:spLocks noGrp="1"/>
+          </p:cNvSpPr>
+          <p:nvPr>
+            <p:ph type="body" idx="1"/>
+          </p:nvPr>
+        </p:nvSpPr>
+        <p:spPr>
+          <a:xfrm>
+            <a:off x="685800" y="4343400"/>
+            <a:ext cx="5486400" cy="4114800"/>
+          </a:xfrm>
+          <a:prstGeom prst="rect">
+            <a:avLst/>
+          </a:prstGeom>
+          <a:noFill/>
+          <a:ln>
+            <a:noFill/>
+          </a:ln>
+        </p:spPr>
+        <p:txBody>
+          <a:bodyPr spcFirstLastPara="1" wrap="square" lIns="91425" tIns="45700" rIns="91425" bIns="45700" anchor="t" anchorCtr="0">
+            <a:noAutofit/>
+          </a:bodyPr>
+          <a:lstStyle/>
+          <a:p>
+            <a:pPr marL="0" lvl="0" indent="0" algn="l" rtl="0">
+              <a:spcBef>
+                <a:spcPts val="0"/>
+              </a:spcBef>
+              <a:spcAft>
+                <a:spcPts val="0"/>
+              </a:spcAft>
+              <a:buNone/>
+            </a:pPr>
+            <a:endParaRPr/>
+          </a:p>
+        </p:txBody>
+      </p:sp>
+      <p:sp>
+        <p:nvSpPr>
+          <p:cNvPr id="320" name="Google Shape;320;p9:notes"/>
+          <p:cNvSpPr txBox="1">
+            <a:spLocks noGrp="1"/>
+          </p:cNvSpPr>
+          <p:nvPr>
+            <p:ph type="sldNum" idx="12"/>
+          </p:nvPr>
+        </p:nvSpPr>
+        <p:spPr>
+          <a:xfrm>
+            <a:off x="3884613" y="8685213"/>
+            <a:ext cx="2971800" cy="457200"/>
+          </a:xfrm>
+          <a:prstGeom prst="rect">
+            <a:avLst/>
+          </a:prstGeom>
+          <a:noFill/>
+          <a:ln>
+            <a:noFill/>
+          </a:ln>
+        </p:spPr>
+        <p:txBody>
+          <a:bodyPr spcFirstLastPara="1" wrap="square" lIns="91425" tIns="45700" rIns="91425" bIns="45700" anchor="b" anchorCtr="0">
+            <a:noAutofit/>
+          </a:bodyPr>
+          <a:lstStyle/>
+          <a:p>
+            <a:pPr marL="0" lvl="0" indent="0" algn="r" rtl="0">
+              <a:spcBef>
+                <a:spcPts val="0"/>
+              </a:spcBef>
+              <a:spcAft>
+                <a:spcPts val="0"/>
+              </a:spcAft>
+              <a:buNone/>
+            </a:pPr>
+            <a:fld id="{00000000-1234-1234-1234-123412341234}" type="slidenum">
+              <a:rPr lang="en-US"/>
+              <a:t>10</a:t>
+            </a:fld>
+            <a:endParaRPr/>
+          </a:p>
+        </p:txBody>
+      </p:sp>
+    </p:spTree>
+  </p:cSld>
+  <p:clrMapOvr>
+    <a:masterClrMapping/>
+  </p:clrMapOvr>
+</p:notes>
+</file>
+
 <file path=ppt/notesSlides/notesSlide2.xml><?xml version="1.0" encoding="utf-8"?>
 <p:notes xmlns:a="http://schemas.openxmlformats.org/drawingml/2006/main" xmlns:r="http://schemas.openxmlformats.org/officeDocument/2006/relationships" xmlns:p="http://schemas.openxmlformats.org/presentationml/2006/main" showMasterSp="0" showMasterPhAnim="0">
   <p:cSld>
@@ -2006,7 +2173,7 @@
     </p:spTree>
     <p:extLst>
       <p:ext uri="{BB962C8B-B14F-4D97-AF65-F5344CB8AC3E}">
-        <p14:creationId xmlns:p14="http://schemas.microsoft.com/office/powerpoint/2010/main" val="3596268942"/>
+        <p14:creationId xmlns:p14="http://schemas.microsoft.com/office/powerpoint/2010/main" val="3394411682"/>
       </p:ext>
     </p:extLst>
   </p:cSld>
@@ -2161,7 +2328,7 @@
     </p:spTree>
     <p:extLst>
       <p:ext uri="{BB962C8B-B14F-4D97-AF65-F5344CB8AC3E}">
-        <p14:creationId xmlns:p14="http://schemas.microsoft.com/office/powerpoint/2010/main" val="292969314"/>
+        <p14:creationId xmlns:p14="http://schemas.microsoft.com/office/powerpoint/2010/main" val="1608092325"/>
       </p:ext>
     </p:extLst>
   </p:cSld>
@@ -2316,7 +2483,7 @@
     </p:spTree>
     <p:extLst>
       <p:ext uri="{BB962C8B-B14F-4D97-AF65-F5344CB8AC3E}">
-        <p14:creationId xmlns:p14="http://schemas.microsoft.com/office/powerpoint/2010/main" val="3073292463"/>
+        <p14:creationId xmlns:p14="http://schemas.microsoft.com/office/powerpoint/2010/main" val="3244837021"/>
       </p:ext>
     </p:extLst>
   </p:cSld>
@@ -2471,7 +2638,7 @@
     </p:spTree>
     <p:extLst>
       <p:ext uri="{BB962C8B-B14F-4D97-AF65-F5344CB8AC3E}">
-        <p14:creationId xmlns:p14="http://schemas.microsoft.com/office/powerpoint/2010/main" val="3244837021"/>
+        <p14:creationId xmlns:p14="http://schemas.microsoft.com/office/powerpoint/2010/main" val="2526159319"/>
       </p:ext>
     </p:extLst>
   </p:cSld>
@@ -2486,7 +2653,7 @@
   <p:cSld>
     <p:spTree>
       <p:nvGrpSpPr>
-        <p:cNvPr id="1" name="Shape 317"/>
+        <p:cNvPr id="1" name="Shape 309"/>
         <p:cNvGrpSpPr/>
         <p:nvPr/>
       </p:nvGrpSpPr>
@@ -2500,7 +2667,7 @@
       </p:grpSpPr>
       <p:sp>
         <p:nvSpPr>
-          <p:cNvPr id="318" name="Google Shape;318;p9:notes"/>
+          <p:cNvPr id="310" name="Google Shape;310;g2a86d392fdb_0_37:notes"/>
           <p:cNvSpPr>
             <a:spLocks noGrp="1" noRot="1" noChangeAspect="1"/>
           </p:cNvSpPr>
@@ -2537,21 +2704,11 @@
               </a:path>
             </a:pathLst>
           </a:custGeom>
-          <a:noFill/>
-          <a:ln w="12700" cap="flat" cmpd="sng">
-            <a:solidFill>
-              <a:srgbClr val="000000"/>
-            </a:solidFill>
-            <a:prstDash val="solid"/>
-            <a:round/>
-            <a:headEnd type="none" w="sm" len="sm"/>
-            <a:tailEnd type="none" w="sm" len="sm"/>
-          </a:ln>
         </p:spPr>
       </p:sp>
       <p:sp>
         <p:nvSpPr>
-          <p:cNvPr id="319" name="Google Shape;319;p9:notes"/>
+          <p:cNvPr id="311" name="Google Shape;311;g2a86d392fdb_0_37:notes"/>
           <p:cNvSpPr txBox="1">
             <a:spLocks noGrp="1"/>
           </p:cNvSpPr>
@@ -2567,10 +2724,6 @@
           <a:prstGeom prst="rect">
             <a:avLst/>
           </a:prstGeom>
-          <a:noFill/>
-          <a:ln>
-            <a:noFill/>
-          </a:ln>
         </p:spPr>
         <p:txBody>
           <a:bodyPr spcFirstLastPara="1" wrap="square" lIns="91425" tIns="45700" rIns="91425" bIns="45700" anchor="t" anchorCtr="0">
@@ -2593,7 +2746,7 @@
       </p:sp>
       <p:sp>
         <p:nvSpPr>
-          <p:cNvPr id="320" name="Google Shape;320;p9:notes"/>
+          <p:cNvPr id="312" name="Google Shape;312;g2a86d392fdb_0_37:notes"/>
           <p:cNvSpPr txBox="1">
             <a:spLocks noGrp="1"/>
           </p:cNvSpPr>
@@ -2609,10 +2762,6 @@
           <a:prstGeom prst="rect">
             <a:avLst/>
           </a:prstGeom>
-          <a:noFill/>
-          <a:ln>
-            <a:noFill/>
-          </a:ln>
         </p:spPr>
         <p:txBody>
           <a:bodyPr spcFirstLastPara="1" wrap="square" lIns="91425" tIns="45700" rIns="91425" bIns="45700" anchor="b" anchorCtr="0">
@@ -2627,6 +2776,10 @@
               <a:spcAft>
                 <a:spcPts val="0"/>
               </a:spcAft>
+              <a:buClr>
+                <a:srgbClr val="000000"/>
+              </a:buClr>
+              <a:buFont typeface="Arial"/>
               <a:buNone/>
             </a:pPr>
             <a:fld id="{00000000-1234-1234-1234-123412341234}" type="slidenum">
@@ -2638,6 +2791,321 @@
         </p:txBody>
       </p:sp>
     </p:spTree>
+    <p:extLst>
+      <p:ext uri="{BB962C8B-B14F-4D97-AF65-F5344CB8AC3E}">
+        <p14:creationId xmlns:p14="http://schemas.microsoft.com/office/powerpoint/2010/main" val="3596268942"/>
+      </p:ext>
+    </p:extLst>
+  </p:cSld>
+  <p:clrMapOvr>
+    <a:masterClrMapping/>
+  </p:clrMapOvr>
+</p:notes>
+</file>
+
+<file path=ppt/notesSlides/notesSlide8.xml><?xml version="1.0" encoding="utf-8"?>
+<p:notes xmlns:a="http://schemas.openxmlformats.org/drawingml/2006/main" xmlns:r="http://schemas.openxmlformats.org/officeDocument/2006/relationships" xmlns:p="http://schemas.openxmlformats.org/presentationml/2006/main" showMasterSp="0" showMasterPhAnim="0">
+  <p:cSld>
+    <p:spTree>
+      <p:nvGrpSpPr>
+        <p:cNvPr id="1" name="Shape 309"/>
+        <p:cNvGrpSpPr/>
+        <p:nvPr/>
+      </p:nvGrpSpPr>
+      <p:grpSpPr>
+        <a:xfrm>
+          <a:off x="0" y="0"/>
+          <a:ext cx="0" cy="0"/>
+          <a:chOff x="0" y="0"/>
+          <a:chExt cx="0" cy="0"/>
+        </a:xfrm>
+      </p:grpSpPr>
+      <p:sp>
+        <p:nvSpPr>
+          <p:cNvPr id="310" name="Google Shape;310;g2a86d392fdb_0_37:notes"/>
+          <p:cNvSpPr>
+            <a:spLocks noGrp="1" noRot="1" noChangeAspect="1"/>
+          </p:cNvSpPr>
+          <p:nvPr>
+            <p:ph type="sldImg" idx="2"/>
+          </p:nvPr>
+        </p:nvSpPr>
+        <p:spPr>
+          <a:xfrm>
+            <a:off x="381000" y="685800"/>
+            <a:ext cx="6096000" cy="3429000"/>
+          </a:xfrm>
+          <a:custGeom>
+            <a:avLst/>
+            <a:gdLst/>
+            <a:ahLst/>
+            <a:cxnLst/>
+            <a:rect l="l" t="t" r="r" b="b"/>
+            <a:pathLst>
+              <a:path w="120000" h="120000" extrusionOk="0">
+                <a:moveTo>
+                  <a:pt x="0" y="0"/>
+                </a:moveTo>
+                <a:lnTo>
+                  <a:pt x="120000" y="0"/>
+                </a:lnTo>
+                <a:lnTo>
+                  <a:pt x="120000" y="120000"/>
+                </a:lnTo>
+                <a:lnTo>
+                  <a:pt x="0" y="120000"/>
+                </a:lnTo>
+                <a:close/>
+              </a:path>
+            </a:pathLst>
+          </a:custGeom>
+        </p:spPr>
+      </p:sp>
+      <p:sp>
+        <p:nvSpPr>
+          <p:cNvPr id="311" name="Google Shape;311;g2a86d392fdb_0_37:notes"/>
+          <p:cNvSpPr txBox="1">
+            <a:spLocks noGrp="1"/>
+          </p:cNvSpPr>
+          <p:nvPr>
+            <p:ph type="body" idx="1"/>
+          </p:nvPr>
+        </p:nvSpPr>
+        <p:spPr>
+          <a:xfrm>
+            <a:off x="685800" y="4343400"/>
+            <a:ext cx="5486400" cy="4114800"/>
+          </a:xfrm>
+          <a:prstGeom prst="rect">
+            <a:avLst/>
+          </a:prstGeom>
+        </p:spPr>
+        <p:txBody>
+          <a:bodyPr spcFirstLastPara="1" wrap="square" lIns="91425" tIns="45700" rIns="91425" bIns="45700" anchor="t" anchorCtr="0">
+            <a:noAutofit/>
+          </a:bodyPr>
+          <a:lstStyle/>
+          <a:p>
+            <a:pPr marL="0" lvl="0" indent="0" algn="l" rtl="0">
+              <a:spcBef>
+                <a:spcPts val="0"/>
+              </a:spcBef>
+              <a:spcAft>
+                <a:spcPts val="0"/>
+              </a:spcAft>
+              <a:buNone/>
+            </a:pPr>
+            <a:endParaRPr/>
+          </a:p>
+        </p:txBody>
+      </p:sp>
+      <p:sp>
+        <p:nvSpPr>
+          <p:cNvPr id="312" name="Google Shape;312;g2a86d392fdb_0_37:notes"/>
+          <p:cNvSpPr txBox="1">
+            <a:spLocks noGrp="1"/>
+          </p:cNvSpPr>
+          <p:nvPr>
+            <p:ph type="sldNum" idx="12"/>
+          </p:nvPr>
+        </p:nvSpPr>
+        <p:spPr>
+          <a:xfrm>
+            <a:off x="3884613" y="8685213"/>
+            <a:ext cx="2971800" cy="457200"/>
+          </a:xfrm>
+          <a:prstGeom prst="rect">
+            <a:avLst/>
+          </a:prstGeom>
+        </p:spPr>
+        <p:txBody>
+          <a:bodyPr spcFirstLastPara="1" wrap="square" lIns="91425" tIns="45700" rIns="91425" bIns="45700" anchor="b" anchorCtr="0">
+            <a:noAutofit/>
+          </a:bodyPr>
+          <a:lstStyle/>
+          <a:p>
+            <a:pPr marL="0" lvl="0" indent="0" algn="r" rtl="0">
+              <a:spcBef>
+                <a:spcPts val="0"/>
+              </a:spcBef>
+              <a:spcAft>
+                <a:spcPts val="0"/>
+              </a:spcAft>
+              <a:buClr>
+                <a:srgbClr val="000000"/>
+              </a:buClr>
+              <a:buFont typeface="Arial"/>
+              <a:buNone/>
+            </a:pPr>
+            <a:fld id="{00000000-1234-1234-1234-123412341234}" type="slidenum">
+              <a:rPr lang="en-US"/>
+              <a:t>8</a:t>
+            </a:fld>
+            <a:endParaRPr/>
+          </a:p>
+        </p:txBody>
+      </p:sp>
+    </p:spTree>
+    <p:extLst>
+      <p:ext uri="{BB962C8B-B14F-4D97-AF65-F5344CB8AC3E}">
+        <p14:creationId xmlns:p14="http://schemas.microsoft.com/office/powerpoint/2010/main" val="292969314"/>
+      </p:ext>
+    </p:extLst>
+  </p:cSld>
+  <p:clrMapOvr>
+    <a:masterClrMapping/>
+  </p:clrMapOvr>
+</p:notes>
+</file>
+
+<file path=ppt/notesSlides/notesSlide9.xml><?xml version="1.0" encoding="utf-8"?>
+<p:notes xmlns:a="http://schemas.openxmlformats.org/drawingml/2006/main" xmlns:r="http://schemas.openxmlformats.org/officeDocument/2006/relationships" xmlns:p="http://schemas.openxmlformats.org/presentationml/2006/main" showMasterSp="0" showMasterPhAnim="0">
+  <p:cSld>
+    <p:spTree>
+      <p:nvGrpSpPr>
+        <p:cNvPr id="1" name="Shape 309"/>
+        <p:cNvGrpSpPr/>
+        <p:nvPr/>
+      </p:nvGrpSpPr>
+      <p:grpSpPr>
+        <a:xfrm>
+          <a:off x="0" y="0"/>
+          <a:ext cx="0" cy="0"/>
+          <a:chOff x="0" y="0"/>
+          <a:chExt cx="0" cy="0"/>
+        </a:xfrm>
+      </p:grpSpPr>
+      <p:sp>
+        <p:nvSpPr>
+          <p:cNvPr id="310" name="Google Shape;310;g2a86d392fdb_0_37:notes"/>
+          <p:cNvSpPr>
+            <a:spLocks noGrp="1" noRot="1" noChangeAspect="1"/>
+          </p:cNvSpPr>
+          <p:nvPr>
+            <p:ph type="sldImg" idx="2"/>
+          </p:nvPr>
+        </p:nvSpPr>
+        <p:spPr>
+          <a:xfrm>
+            <a:off x="381000" y="685800"/>
+            <a:ext cx="6096000" cy="3429000"/>
+          </a:xfrm>
+          <a:custGeom>
+            <a:avLst/>
+            <a:gdLst/>
+            <a:ahLst/>
+            <a:cxnLst/>
+            <a:rect l="l" t="t" r="r" b="b"/>
+            <a:pathLst>
+              <a:path w="120000" h="120000" extrusionOk="0">
+                <a:moveTo>
+                  <a:pt x="0" y="0"/>
+                </a:moveTo>
+                <a:lnTo>
+                  <a:pt x="120000" y="0"/>
+                </a:lnTo>
+                <a:lnTo>
+                  <a:pt x="120000" y="120000"/>
+                </a:lnTo>
+                <a:lnTo>
+                  <a:pt x="0" y="120000"/>
+                </a:lnTo>
+                <a:close/>
+              </a:path>
+            </a:pathLst>
+          </a:custGeom>
+        </p:spPr>
+      </p:sp>
+      <p:sp>
+        <p:nvSpPr>
+          <p:cNvPr id="311" name="Google Shape;311;g2a86d392fdb_0_37:notes"/>
+          <p:cNvSpPr txBox="1">
+            <a:spLocks noGrp="1"/>
+          </p:cNvSpPr>
+          <p:nvPr>
+            <p:ph type="body" idx="1"/>
+          </p:nvPr>
+        </p:nvSpPr>
+        <p:spPr>
+          <a:xfrm>
+            <a:off x="685800" y="4343400"/>
+            <a:ext cx="5486400" cy="4114800"/>
+          </a:xfrm>
+          <a:prstGeom prst="rect">
+            <a:avLst/>
+          </a:prstGeom>
+        </p:spPr>
+        <p:txBody>
+          <a:bodyPr spcFirstLastPara="1" wrap="square" lIns="91425" tIns="45700" rIns="91425" bIns="45700" anchor="t" anchorCtr="0">
+            <a:noAutofit/>
+          </a:bodyPr>
+          <a:lstStyle/>
+          <a:p>
+            <a:pPr marL="0" lvl="0" indent="0" algn="l" rtl="0">
+              <a:spcBef>
+                <a:spcPts val="0"/>
+              </a:spcBef>
+              <a:spcAft>
+                <a:spcPts val="0"/>
+              </a:spcAft>
+              <a:buNone/>
+            </a:pPr>
+            <a:endParaRPr/>
+          </a:p>
+        </p:txBody>
+      </p:sp>
+      <p:sp>
+        <p:nvSpPr>
+          <p:cNvPr id="312" name="Google Shape;312;g2a86d392fdb_0_37:notes"/>
+          <p:cNvSpPr txBox="1">
+            <a:spLocks noGrp="1"/>
+          </p:cNvSpPr>
+          <p:nvPr>
+            <p:ph type="sldNum" idx="12"/>
+          </p:nvPr>
+        </p:nvSpPr>
+        <p:spPr>
+          <a:xfrm>
+            <a:off x="3884613" y="8685213"/>
+            <a:ext cx="2971800" cy="457200"/>
+          </a:xfrm>
+          <a:prstGeom prst="rect">
+            <a:avLst/>
+          </a:prstGeom>
+        </p:spPr>
+        <p:txBody>
+          <a:bodyPr spcFirstLastPara="1" wrap="square" lIns="91425" tIns="45700" rIns="91425" bIns="45700" anchor="b" anchorCtr="0">
+            <a:noAutofit/>
+          </a:bodyPr>
+          <a:lstStyle/>
+          <a:p>
+            <a:pPr marL="0" lvl="0" indent="0" algn="r" rtl="0">
+              <a:spcBef>
+                <a:spcPts val="0"/>
+              </a:spcBef>
+              <a:spcAft>
+                <a:spcPts val="0"/>
+              </a:spcAft>
+              <a:buClr>
+                <a:srgbClr val="000000"/>
+              </a:buClr>
+              <a:buFont typeface="Arial"/>
+              <a:buNone/>
+            </a:pPr>
+            <a:fld id="{00000000-1234-1234-1234-123412341234}" type="slidenum">
+              <a:rPr lang="en-US"/>
+              <a:t>9</a:t>
+            </a:fld>
+            <a:endParaRPr/>
+          </a:p>
+        </p:txBody>
+      </p:sp>
+    </p:spTree>
+    <p:extLst>
+      <p:ext uri="{BB962C8B-B14F-4D97-AF65-F5344CB8AC3E}">
+        <p14:creationId xmlns:p14="http://schemas.microsoft.com/office/powerpoint/2010/main" val="3073292463"/>
+      </p:ext>
+    </p:extLst>
   </p:cSld>
   <p:clrMapOvr>
     <a:masterClrMapping/>
@@ -28834,7 +29302,1710 @@
 </p:sld>
 </file>
 
+<file path=ppt/slides/slide10.xml><?xml version="1.0" encoding="utf-8"?>
+<p:sld xmlns:a="http://schemas.openxmlformats.org/drawingml/2006/main" xmlns:r="http://schemas.openxmlformats.org/officeDocument/2006/relationships" xmlns:p="http://schemas.openxmlformats.org/presentationml/2006/main">
+  <p:cSld>
+    <p:spTree>
+      <p:nvGrpSpPr>
+        <p:cNvPr id="1" name="Shape 321"/>
+        <p:cNvGrpSpPr/>
+        <p:nvPr/>
+      </p:nvGrpSpPr>
+      <p:grpSpPr>
+        <a:xfrm>
+          <a:off x="0" y="0"/>
+          <a:ext cx="0" cy="0"/>
+          <a:chOff x="0" y="0"/>
+          <a:chExt cx="0" cy="0"/>
+        </a:xfrm>
+      </p:grpSpPr>
+      <p:sp>
+        <p:nvSpPr>
+          <p:cNvPr id="322" name="Google Shape;322;p35"/>
+          <p:cNvSpPr txBox="1">
+            <a:spLocks noGrp="1"/>
+          </p:cNvSpPr>
+          <p:nvPr>
+            <p:ph type="title"/>
+          </p:nvPr>
+        </p:nvSpPr>
+        <p:spPr>
+          <a:xfrm>
+            <a:off x="763600" y="2224563"/>
+            <a:ext cx="10515600" cy="2852700"/>
+          </a:xfrm>
+          <a:prstGeom prst="rect">
+            <a:avLst/>
+          </a:prstGeom>
+          <a:noFill/>
+          <a:ln>
+            <a:noFill/>
+          </a:ln>
+        </p:spPr>
+        <p:txBody>
+          <a:bodyPr spcFirstLastPara="1" wrap="square" lIns="91425" tIns="45700" rIns="91425" bIns="45700" anchor="b" anchorCtr="0">
+            <a:normAutofit/>
+          </a:bodyPr>
+          <a:lstStyle/>
+          <a:p>
+            <a:pPr marL="0" lvl="0" indent="0" algn="l" rtl="0">
+              <a:lnSpc>
+                <a:spcPct val="90000"/>
+              </a:lnSpc>
+              <a:spcBef>
+                <a:spcPts val="0"/>
+              </a:spcBef>
+              <a:spcAft>
+                <a:spcPts val="0"/>
+              </a:spcAft>
+              <a:buClr>
+                <a:schemeClr val="lt1"/>
+              </a:buClr>
+              <a:buSzPts val="6000"/>
+              <a:buFont typeface="Calibri"/>
+              <a:buNone/>
+            </a:pPr>
+            <a:r>
+              <a:rPr lang="en-US"/>
+              <a:t>Спасибо за внимание!</a:t>
+            </a:r>
+            <a:endParaRPr/>
+          </a:p>
+        </p:txBody>
+      </p:sp>
+      <p:sp>
+        <p:nvSpPr>
+          <p:cNvPr id="323" name="Google Shape;323;p35"/>
+          <p:cNvSpPr txBox="1">
+            <a:spLocks noGrp="1"/>
+          </p:cNvSpPr>
+          <p:nvPr>
+            <p:ph type="sldNum" idx="12"/>
+          </p:nvPr>
+        </p:nvSpPr>
+        <p:spPr>
+          <a:xfrm>
+            <a:off x="8610600" y="6356350"/>
+            <a:ext cx="2743200" cy="365125"/>
+          </a:xfrm>
+          <a:prstGeom prst="rect">
+            <a:avLst/>
+          </a:prstGeom>
+          <a:noFill/>
+          <a:ln>
+            <a:noFill/>
+          </a:ln>
+        </p:spPr>
+        <p:txBody>
+          <a:bodyPr spcFirstLastPara="1" wrap="square" lIns="91425" tIns="45700" rIns="91425" bIns="45700" anchor="ctr" anchorCtr="0">
+            <a:noAutofit/>
+          </a:bodyPr>
+          <a:lstStyle/>
+          <a:p>
+            <a:pPr marL="0" lvl="0" indent="0" algn="r" rtl="0">
+              <a:spcBef>
+                <a:spcPts val="0"/>
+              </a:spcBef>
+              <a:spcAft>
+                <a:spcPts val="0"/>
+              </a:spcAft>
+              <a:buNone/>
+            </a:pPr>
+            <a:fld id="{00000000-1234-1234-1234-123412341234}" type="slidenum">
+              <a:rPr lang="en-US"/>
+              <a:t>10</a:t>
+            </a:fld>
+            <a:endParaRPr/>
+          </a:p>
+        </p:txBody>
+      </p:sp>
+    </p:spTree>
+  </p:cSld>
+  <p:clrMapOvr>
+    <a:masterClrMapping/>
+  </p:clrMapOvr>
+</p:sld>
+</file>
+
 <file path=ppt/slides/slide2.xml><?xml version="1.0" encoding="utf-8"?>
+<p:sld xmlns:a="http://schemas.openxmlformats.org/drawingml/2006/main" xmlns:r="http://schemas.openxmlformats.org/officeDocument/2006/relationships" xmlns:p="http://schemas.openxmlformats.org/presentationml/2006/main">
+  <p:cSld>
+    <p:spTree>
+      <p:nvGrpSpPr>
+        <p:cNvPr id="1" name="Shape 313"/>
+        <p:cNvGrpSpPr/>
+        <p:nvPr/>
+      </p:nvGrpSpPr>
+      <p:grpSpPr>
+        <a:xfrm>
+          <a:off x="0" y="0"/>
+          <a:ext cx="0" cy="0"/>
+          <a:chOff x="0" y="0"/>
+          <a:chExt cx="0" cy="0"/>
+        </a:xfrm>
+      </p:grpSpPr>
+      <p:sp>
+        <p:nvSpPr>
+          <p:cNvPr id="3" name="Заголовок 2">
+            <a:extLst>
+              <a:ext uri="{FF2B5EF4-FFF2-40B4-BE49-F238E27FC236}">
+                <a16:creationId xmlns:a16="http://schemas.microsoft.com/office/drawing/2014/main" id="{4FBCF692-FDBC-44BA-859C-92967671B353}"/>
+              </a:ext>
+            </a:extLst>
+          </p:cNvPr>
+          <p:cNvSpPr>
+            <a:spLocks noGrp="1"/>
+          </p:cNvSpPr>
+          <p:nvPr>
+            <p:ph type="title"/>
+          </p:nvPr>
+        </p:nvSpPr>
+        <p:spPr/>
+        <p:txBody>
+          <a:bodyPr>
+            <a:normAutofit/>
+          </a:bodyPr>
+          <a:lstStyle/>
+          <a:p>
+            <a:r>
+              <a:rPr lang="ru-RU" dirty="0"/>
+              <a:t>Исключения</a:t>
+            </a:r>
+          </a:p>
+        </p:txBody>
+      </p:sp>
+      <p:sp>
+        <p:nvSpPr>
+          <p:cNvPr id="6" name="Номер слайда 3">
+            <a:extLst>
+              <a:ext uri="{FF2B5EF4-FFF2-40B4-BE49-F238E27FC236}">
+                <a16:creationId xmlns:a16="http://schemas.microsoft.com/office/drawing/2014/main" id="{A09098B3-FCCC-4206-BB84-6ADD3959B6E3}"/>
+              </a:ext>
+            </a:extLst>
+          </p:cNvPr>
+          <p:cNvSpPr txBox="1">
+            <a:spLocks/>
+          </p:cNvSpPr>
+          <p:nvPr/>
+        </p:nvSpPr>
+        <p:spPr>
+          <a:xfrm>
+            <a:off x="2667147" y="1938528"/>
+            <a:ext cx="0" cy="0"/>
+          </a:xfrm>
+          <a:prstGeom prst="rect">
+            <a:avLst/>
+          </a:prstGeom>
+          <a:noFill/>
+          <a:ln>
+            <a:noFill/>
+          </a:ln>
+        </p:spPr>
+        <p:txBody>
+          <a:bodyPr spcFirstLastPara="1" wrap="square" lIns="91425" tIns="45700" rIns="91425" bIns="45700" anchor="ctr" anchorCtr="0">
+            <a:noAutofit/>
+          </a:bodyPr>
+          <a:lstStyle>
+            <a:defPPr marR="0" lvl="0" algn="l" rtl="0">
+              <a:lnSpc>
+                <a:spcPct val="100000"/>
+              </a:lnSpc>
+              <a:spcBef>
+                <a:spcPts val="0"/>
+              </a:spcBef>
+              <a:spcAft>
+                <a:spcPts val="0"/>
+              </a:spcAft>
+            </a:defPPr>
+            <a:lvl1pPr marR="0" lvl="0" algn="l" rtl="0">
+              <a:lnSpc>
+                <a:spcPct val="100000"/>
+              </a:lnSpc>
+              <a:spcBef>
+                <a:spcPts val="0"/>
+              </a:spcBef>
+              <a:spcAft>
+                <a:spcPts val="0"/>
+              </a:spcAft>
+              <a:buClr>
+                <a:srgbClr val="000000"/>
+              </a:buClr>
+              <a:buSzPts val="1400"/>
+              <a:buFont typeface="Arial"/>
+              <a:buNone/>
+              <a:defRPr sz="1200" b="0" i="0" u="none" strike="noStrike" cap="none">
+                <a:solidFill>
+                  <a:srgbClr val="838C97"/>
+                </a:solidFill>
+                <a:latin typeface="Calibri"/>
+                <a:ea typeface="Calibri"/>
+                <a:cs typeface="Calibri"/>
+                <a:sym typeface="Calibri"/>
+              </a:defRPr>
+            </a:lvl1pPr>
+            <a:lvl2pPr marR="0" lvl="1" algn="l" rtl="0">
+              <a:lnSpc>
+                <a:spcPct val="100000"/>
+              </a:lnSpc>
+              <a:spcBef>
+                <a:spcPts val="0"/>
+              </a:spcBef>
+              <a:spcAft>
+                <a:spcPts val="0"/>
+              </a:spcAft>
+              <a:buClr>
+                <a:srgbClr val="000000"/>
+              </a:buClr>
+              <a:buSzPts val="1400"/>
+              <a:buFont typeface="Arial"/>
+              <a:buNone/>
+              <a:defRPr sz="1800" b="0" i="0" u="none" strike="noStrike" cap="none">
+                <a:solidFill>
+                  <a:schemeClr val="dk1"/>
+                </a:solidFill>
+                <a:latin typeface="Calibri"/>
+                <a:ea typeface="Calibri"/>
+                <a:cs typeface="Calibri"/>
+                <a:sym typeface="Calibri"/>
+              </a:defRPr>
+            </a:lvl2pPr>
+            <a:lvl3pPr marR="0" lvl="2" algn="l" rtl="0">
+              <a:lnSpc>
+                <a:spcPct val="100000"/>
+              </a:lnSpc>
+              <a:spcBef>
+                <a:spcPts val="0"/>
+              </a:spcBef>
+              <a:spcAft>
+                <a:spcPts val="0"/>
+              </a:spcAft>
+              <a:buClr>
+                <a:srgbClr val="000000"/>
+              </a:buClr>
+              <a:buSzPts val="1400"/>
+              <a:buFont typeface="Arial"/>
+              <a:buNone/>
+              <a:defRPr sz="1800" b="0" i="0" u="none" strike="noStrike" cap="none">
+                <a:solidFill>
+                  <a:schemeClr val="dk1"/>
+                </a:solidFill>
+                <a:latin typeface="Calibri"/>
+                <a:ea typeface="Calibri"/>
+                <a:cs typeface="Calibri"/>
+                <a:sym typeface="Calibri"/>
+              </a:defRPr>
+            </a:lvl3pPr>
+            <a:lvl4pPr marR="0" lvl="3" algn="l" rtl="0">
+              <a:lnSpc>
+                <a:spcPct val="100000"/>
+              </a:lnSpc>
+              <a:spcBef>
+                <a:spcPts val="0"/>
+              </a:spcBef>
+              <a:spcAft>
+                <a:spcPts val="0"/>
+              </a:spcAft>
+              <a:buClr>
+                <a:srgbClr val="000000"/>
+              </a:buClr>
+              <a:buSzPts val="1400"/>
+              <a:buFont typeface="Arial"/>
+              <a:buNone/>
+              <a:defRPr sz="1800" b="0" i="0" u="none" strike="noStrike" cap="none">
+                <a:solidFill>
+                  <a:schemeClr val="dk1"/>
+                </a:solidFill>
+                <a:latin typeface="Calibri"/>
+                <a:ea typeface="Calibri"/>
+                <a:cs typeface="Calibri"/>
+                <a:sym typeface="Calibri"/>
+              </a:defRPr>
+            </a:lvl4pPr>
+            <a:lvl5pPr marR="0" lvl="4" algn="l" rtl="0">
+              <a:lnSpc>
+                <a:spcPct val="100000"/>
+              </a:lnSpc>
+              <a:spcBef>
+                <a:spcPts val="0"/>
+              </a:spcBef>
+              <a:spcAft>
+                <a:spcPts val="0"/>
+              </a:spcAft>
+              <a:buClr>
+                <a:srgbClr val="000000"/>
+              </a:buClr>
+              <a:buSzPts val="1400"/>
+              <a:buFont typeface="Arial"/>
+              <a:buNone/>
+              <a:defRPr sz="1800" b="0" i="0" u="none" strike="noStrike" cap="none">
+                <a:solidFill>
+                  <a:schemeClr val="dk1"/>
+                </a:solidFill>
+                <a:latin typeface="Calibri"/>
+                <a:ea typeface="Calibri"/>
+                <a:cs typeface="Calibri"/>
+                <a:sym typeface="Calibri"/>
+              </a:defRPr>
+            </a:lvl5pPr>
+            <a:lvl6pPr marR="0" lvl="5" algn="l" rtl="0">
+              <a:lnSpc>
+                <a:spcPct val="100000"/>
+              </a:lnSpc>
+              <a:spcBef>
+                <a:spcPts val="0"/>
+              </a:spcBef>
+              <a:spcAft>
+                <a:spcPts val="0"/>
+              </a:spcAft>
+              <a:buClr>
+                <a:srgbClr val="000000"/>
+              </a:buClr>
+              <a:buSzPts val="1400"/>
+              <a:buFont typeface="Arial"/>
+              <a:buNone/>
+              <a:defRPr sz="1800" b="0" i="0" u="none" strike="noStrike" cap="none">
+                <a:solidFill>
+                  <a:schemeClr val="dk1"/>
+                </a:solidFill>
+                <a:latin typeface="Calibri"/>
+                <a:ea typeface="Calibri"/>
+                <a:cs typeface="Calibri"/>
+                <a:sym typeface="Calibri"/>
+              </a:defRPr>
+            </a:lvl6pPr>
+            <a:lvl7pPr marR="0" lvl="6" algn="l" rtl="0">
+              <a:lnSpc>
+                <a:spcPct val="100000"/>
+              </a:lnSpc>
+              <a:spcBef>
+                <a:spcPts val="0"/>
+              </a:spcBef>
+              <a:spcAft>
+                <a:spcPts val="0"/>
+              </a:spcAft>
+              <a:buClr>
+                <a:srgbClr val="000000"/>
+              </a:buClr>
+              <a:buSzPts val="1400"/>
+              <a:buFont typeface="Arial"/>
+              <a:buNone/>
+              <a:defRPr sz="1800" b="0" i="0" u="none" strike="noStrike" cap="none">
+                <a:solidFill>
+                  <a:schemeClr val="dk1"/>
+                </a:solidFill>
+                <a:latin typeface="Calibri"/>
+                <a:ea typeface="Calibri"/>
+                <a:cs typeface="Calibri"/>
+                <a:sym typeface="Calibri"/>
+              </a:defRPr>
+            </a:lvl7pPr>
+            <a:lvl8pPr marR="0" lvl="7" algn="l" rtl="0">
+              <a:lnSpc>
+                <a:spcPct val="100000"/>
+              </a:lnSpc>
+              <a:spcBef>
+                <a:spcPts val="0"/>
+              </a:spcBef>
+              <a:spcAft>
+                <a:spcPts val="0"/>
+              </a:spcAft>
+              <a:buClr>
+                <a:srgbClr val="000000"/>
+              </a:buClr>
+              <a:buSzPts val="1400"/>
+              <a:buFont typeface="Arial"/>
+              <a:buNone/>
+              <a:defRPr sz="1800" b="0" i="0" u="none" strike="noStrike" cap="none">
+                <a:solidFill>
+                  <a:schemeClr val="dk1"/>
+                </a:solidFill>
+                <a:latin typeface="Calibri"/>
+                <a:ea typeface="Calibri"/>
+                <a:cs typeface="Calibri"/>
+                <a:sym typeface="Calibri"/>
+              </a:defRPr>
+            </a:lvl8pPr>
+            <a:lvl9pPr marR="0" lvl="8" algn="l" rtl="0">
+              <a:lnSpc>
+                <a:spcPct val="100000"/>
+              </a:lnSpc>
+              <a:spcBef>
+                <a:spcPts val="0"/>
+              </a:spcBef>
+              <a:spcAft>
+                <a:spcPts val="0"/>
+              </a:spcAft>
+              <a:buClr>
+                <a:srgbClr val="000000"/>
+              </a:buClr>
+              <a:buSzPts val="1400"/>
+              <a:buFont typeface="Arial"/>
+              <a:buNone/>
+              <a:defRPr sz="1800" b="0" i="0" u="none" strike="noStrike" cap="none">
+                <a:solidFill>
+                  <a:schemeClr val="dk1"/>
+                </a:solidFill>
+                <a:latin typeface="Calibri"/>
+                <a:ea typeface="Calibri"/>
+                <a:cs typeface="Calibri"/>
+                <a:sym typeface="Calibri"/>
+              </a:defRPr>
+            </a:lvl9pPr>
+          </a:lstStyle>
+          <a:p>
+            <a:pPr defTabSz="685800"/>
+            <a:endParaRPr lang="ru-RU" dirty="0">
+              <a:solidFill>
+                <a:prstClr val="white"/>
+              </a:solidFill>
+            </a:endParaRPr>
+          </a:p>
+        </p:txBody>
+      </p:sp>
+      <p:pic>
+        <p:nvPicPr>
+          <p:cNvPr id="1026" name="Picture 2" descr="Picture background">
+            <a:extLst>
+              <a:ext uri="{FF2B5EF4-FFF2-40B4-BE49-F238E27FC236}">
+                <a16:creationId xmlns:a16="http://schemas.microsoft.com/office/drawing/2014/main" id="{934A9745-E242-44D9-BF4E-14DF8209D93F}"/>
+              </a:ext>
+            </a:extLst>
+          </p:cNvPr>
+          <p:cNvPicPr>
+            <a:picLocks noChangeAspect="1" noChangeArrowheads="1"/>
+          </p:cNvPicPr>
+          <p:nvPr/>
+        </p:nvPicPr>
+        <p:blipFill rotWithShape="1">
+          <a:blip r:embed="rId3">
+            <a:extLst>
+              <a:ext uri="{28A0092B-C50C-407E-A947-70E740481C1C}">
+                <a14:useLocalDpi xmlns:a14="http://schemas.microsoft.com/office/drawing/2010/main" val="0"/>
+              </a:ext>
+            </a:extLst>
+          </a:blip>
+          <a:srcRect t="16933" b="18000"/>
+          <a:stretch/>
+        </p:blipFill>
+        <p:spPr bwMode="auto">
+          <a:xfrm>
+            <a:off x="2561184" y="1837944"/>
+            <a:ext cx="9156700" cy="4462272"/>
+          </a:xfrm>
+          <a:prstGeom prst="rect">
+            <a:avLst/>
+          </a:prstGeom>
+          <a:noFill/>
+          <a:extLst>
+            <a:ext uri="{909E8E84-426E-40DD-AFC4-6F175D3DCCD1}">
+              <a14:hiddenFill xmlns:a14="http://schemas.microsoft.com/office/drawing/2010/main">
+                <a:solidFill>
+                  <a:srgbClr val="FFFFFF"/>
+                </a:solidFill>
+              </a14:hiddenFill>
+            </a:ext>
+          </a:extLst>
+        </p:spPr>
+      </p:pic>
+    </p:spTree>
+    <p:extLst>
+      <p:ext uri="{BB962C8B-B14F-4D97-AF65-F5344CB8AC3E}">
+        <p14:creationId xmlns:p14="http://schemas.microsoft.com/office/powerpoint/2010/main" val="2400019912"/>
+      </p:ext>
+    </p:extLst>
+  </p:cSld>
+  <p:clrMapOvr>
+    <a:masterClrMapping/>
+  </p:clrMapOvr>
+</p:sld>
+</file>
+
+<file path=ppt/slides/slide3.xml><?xml version="1.0" encoding="utf-8"?>
+<p:sld xmlns:a="http://schemas.openxmlformats.org/drawingml/2006/main" xmlns:r="http://schemas.openxmlformats.org/officeDocument/2006/relationships" xmlns:p="http://schemas.openxmlformats.org/presentationml/2006/main">
+  <p:cSld>
+    <p:spTree>
+      <p:nvGrpSpPr>
+        <p:cNvPr id="1" name="Shape 313"/>
+        <p:cNvGrpSpPr/>
+        <p:nvPr/>
+      </p:nvGrpSpPr>
+      <p:grpSpPr>
+        <a:xfrm>
+          <a:off x="0" y="0"/>
+          <a:ext cx="0" cy="0"/>
+          <a:chOff x="0" y="0"/>
+          <a:chExt cx="0" cy="0"/>
+        </a:xfrm>
+      </p:grpSpPr>
+      <p:sp>
+        <p:nvSpPr>
+          <p:cNvPr id="3" name="Заголовок 2">
+            <a:extLst>
+              <a:ext uri="{FF2B5EF4-FFF2-40B4-BE49-F238E27FC236}">
+                <a16:creationId xmlns:a16="http://schemas.microsoft.com/office/drawing/2014/main" id="{4FBCF692-FDBC-44BA-859C-92967671B353}"/>
+              </a:ext>
+            </a:extLst>
+          </p:cNvPr>
+          <p:cNvSpPr>
+            <a:spLocks noGrp="1"/>
+          </p:cNvSpPr>
+          <p:nvPr>
+            <p:ph type="title"/>
+          </p:nvPr>
+        </p:nvSpPr>
+        <p:spPr/>
+        <p:txBody>
+          <a:bodyPr>
+            <a:normAutofit/>
+          </a:bodyPr>
+          <a:lstStyle/>
+          <a:p>
+            <a:r>
+              <a:rPr lang="ru-RU" dirty="0"/>
+              <a:t>Исключения</a:t>
+            </a:r>
+          </a:p>
+        </p:txBody>
+      </p:sp>
+      <p:sp>
+        <p:nvSpPr>
+          <p:cNvPr id="6" name="Номер слайда 3">
+            <a:extLst>
+              <a:ext uri="{FF2B5EF4-FFF2-40B4-BE49-F238E27FC236}">
+                <a16:creationId xmlns:a16="http://schemas.microsoft.com/office/drawing/2014/main" id="{A09098B3-FCCC-4206-BB84-6ADD3959B6E3}"/>
+              </a:ext>
+            </a:extLst>
+          </p:cNvPr>
+          <p:cNvSpPr txBox="1">
+            <a:spLocks/>
+          </p:cNvSpPr>
+          <p:nvPr/>
+        </p:nvSpPr>
+        <p:spPr>
+          <a:xfrm>
+            <a:off x="2667147" y="1938528"/>
+            <a:ext cx="0" cy="0"/>
+          </a:xfrm>
+          <a:prstGeom prst="rect">
+            <a:avLst/>
+          </a:prstGeom>
+          <a:noFill/>
+          <a:ln>
+            <a:noFill/>
+          </a:ln>
+        </p:spPr>
+        <p:txBody>
+          <a:bodyPr spcFirstLastPara="1" wrap="square" lIns="91425" tIns="45700" rIns="91425" bIns="45700" anchor="ctr" anchorCtr="0">
+            <a:noAutofit/>
+          </a:bodyPr>
+          <a:lstStyle>
+            <a:defPPr marR="0" lvl="0" algn="l" rtl="0">
+              <a:lnSpc>
+                <a:spcPct val="100000"/>
+              </a:lnSpc>
+              <a:spcBef>
+                <a:spcPts val="0"/>
+              </a:spcBef>
+              <a:spcAft>
+                <a:spcPts val="0"/>
+              </a:spcAft>
+            </a:defPPr>
+            <a:lvl1pPr marR="0" lvl="0" algn="l" rtl="0">
+              <a:lnSpc>
+                <a:spcPct val="100000"/>
+              </a:lnSpc>
+              <a:spcBef>
+                <a:spcPts val="0"/>
+              </a:spcBef>
+              <a:spcAft>
+                <a:spcPts val="0"/>
+              </a:spcAft>
+              <a:buClr>
+                <a:srgbClr val="000000"/>
+              </a:buClr>
+              <a:buSzPts val="1400"/>
+              <a:buFont typeface="Arial"/>
+              <a:buNone/>
+              <a:defRPr sz="1200" b="0" i="0" u="none" strike="noStrike" cap="none">
+                <a:solidFill>
+                  <a:srgbClr val="838C97"/>
+                </a:solidFill>
+                <a:latin typeface="Calibri"/>
+                <a:ea typeface="Calibri"/>
+                <a:cs typeface="Calibri"/>
+                <a:sym typeface="Calibri"/>
+              </a:defRPr>
+            </a:lvl1pPr>
+            <a:lvl2pPr marR="0" lvl="1" algn="l" rtl="0">
+              <a:lnSpc>
+                <a:spcPct val="100000"/>
+              </a:lnSpc>
+              <a:spcBef>
+                <a:spcPts val="0"/>
+              </a:spcBef>
+              <a:spcAft>
+                <a:spcPts val="0"/>
+              </a:spcAft>
+              <a:buClr>
+                <a:srgbClr val="000000"/>
+              </a:buClr>
+              <a:buSzPts val="1400"/>
+              <a:buFont typeface="Arial"/>
+              <a:buNone/>
+              <a:defRPr sz="1800" b="0" i="0" u="none" strike="noStrike" cap="none">
+                <a:solidFill>
+                  <a:schemeClr val="dk1"/>
+                </a:solidFill>
+                <a:latin typeface="Calibri"/>
+                <a:ea typeface="Calibri"/>
+                <a:cs typeface="Calibri"/>
+                <a:sym typeface="Calibri"/>
+              </a:defRPr>
+            </a:lvl2pPr>
+            <a:lvl3pPr marR="0" lvl="2" algn="l" rtl="0">
+              <a:lnSpc>
+                <a:spcPct val="100000"/>
+              </a:lnSpc>
+              <a:spcBef>
+                <a:spcPts val="0"/>
+              </a:spcBef>
+              <a:spcAft>
+                <a:spcPts val="0"/>
+              </a:spcAft>
+              <a:buClr>
+                <a:srgbClr val="000000"/>
+              </a:buClr>
+              <a:buSzPts val="1400"/>
+              <a:buFont typeface="Arial"/>
+              <a:buNone/>
+              <a:defRPr sz="1800" b="0" i="0" u="none" strike="noStrike" cap="none">
+                <a:solidFill>
+                  <a:schemeClr val="dk1"/>
+                </a:solidFill>
+                <a:latin typeface="Calibri"/>
+                <a:ea typeface="Calibri"/>
+                <a:cs typeface="Calibri"/>
+                <a:sym typeface="Calibri"/>
+              </a:defRPr>
+            </a:lvl3pPr>
+            <a:lvl4pPr marR="0" lvl="3" algn="l" rtl="0">
+              <a:lnSpc>
+                <a:spcPct val="100000"/>
+              </a:lnSpc>
+              <a:spcBef>
+                <a:spcPts val="0"/>
+              </a:spcBef>
+              <a:spcAft>
+                <a:spcPts val="0"/>
+              </a:spcAft>
+              <a:buClr>
+                <a:srgbClr val="000000"/>
+              </a:buClr>
+              <a:buSzPts val="1400"/>
+              <a:buFont typeface="Arial"/>
+              <a:buNone/>
+              <a:defRPr sz="1800" b="0" i="0" u="none" strike="noStrike" cap="none">
+                <a:solidFill>
+                  <a:schemeClr val="dk1"/>
+                </a:solidFill>
+                <a:latin typeface="Calibri"/>
+                <a:ea typeface="Calibri"/>
+                <a:cs typeface="Calibri"/>
+                <a:sym typeface="Calibri"/>
+              </a:defRPr>
+            </a:lvl4pPr>
+            <a:lvl5pPr marR="0" lvl="4" algn="l" rtl="0">
+              <a:lnSpc>
+                <a:spcPct val="100000"/>
+              </a:lnSpc>
+              <a:spcBef>
+                <a:spcPts val="0"/>
+              </a:spcBef>
+              <a:spcAft>
+                <a:spcPts val="0"/>
+              </a:spcAft>
+              <a:buClr>
+                <a:srgbClr val="000000"/>
+              </a:buClr>
+              <a:buSzPts val="1400"/>
+              <a:buFont typeface="Arial"/>
+              <a:buNone/>
+              <a:defRPr sz="1800" b="0" i="0" u="none" strike="noStrike" cap="none">
+                <a:solidFill>
+                  <a:schemeClr val="dk1"/>
+                </a:solidFill>
+                <a:latin typeface="Calibri"/>
+                <a:ea typeface="Calibri"/>
+                <a:cs typeface="Calibri"/>
+                <a:sym typeface="Calibri"/>
+              </a:defRPr>
+            </a:lvl5pPr>
+            <a:lvl6pPr marR="0" lvl="5" algn="l" rtl="0">
+              <a:lnSpc>
+                <a:spcPct val="100000"/>
+              </a:lnSpc>
+              <a:spcBef>
+                <a:spcPts val="0"/>
+              </a:spcBef>
+              <a:spcAft>
+                <a:spcPts val="0"/>
+              </a:spcAft>
+              <a:buClr>
+                <a:srgbClr val="000000"/>
+              </a:buClr>
+              <a:buSzPts val="1400"/>
+              <a:buFont typeface="Arial"/>
+              <a:buNone/>
+              <a:defRPr sz="1800" b="0" i="0" u="none" strike="noStrike" cap="none">
+                <a:solidFill>
+                  <a:schemeClr val="dk1"/>
+                </a:solidFill>
+                <a:latin typeface="Calibri"/>
+                <a:ea typeface="Calibri"/>
+                <a:cs typeface="Calibri"/>
+                <a:sym typeface="Calibri"/>
+              </a:defRPr>
+            </a:lvl6pPr>
+            <a:lvl7pPr marR="0" lvl="6" algn="l" rtl="0">
+              <a:lnSpc>
+                <a:spcPct val="100000"/>
+              </a:lnSpc>
+              <a:spcBef>
+                <a:spcPts val="0"/>
+              </a:spcBef>
+              <a:spcAft>
+                <a:spcPts val="0"/>
+              </a:spcAft>
+              <a:buClr>
+                <a:srgbClr val="000000"/>
+              </a:buClr>
+              <a:buSzPts val="1400"/>
+              <a:buFont typeface="Arial"/>
+              <a:buNone/>
+              <a:defRPr sz="1800" b="0" i="0" u="none" strike="noStrike" cap="none">
+                <a:solidFill>
+                  <a:schemeClr val="dk1"/>
+                </a:solidFill>
+                <a:latin typeface="Calibri"/>
+                <a:ea typeface="Calibri"/>
+                <a:cs typeface="Calibri"/>
+                <a:sym typeface="Calibri"/>
+              </a:defRPr>
+            </a:lvl7pPr>
+            <a:lvl8pPr marR="0" lvl="7" algn="l" rtl="0">
+              <a:lnSpc>
+                <a:spcPct val="100000"/>
+              </a:lnSpc>
+              <a:spcBef>
+                <a:spcPts val="0"/>
+              </a:spcBef>
+              <a:spcAft>
+                <a:spcPts val="0"/>
+              </a:spcAft>
+              <a:buClr>
+                <a:srgbClr val="000000"/>
+              </a:buClr>
+              <a:buSzPts val="1400"/>
+              <a:buFont typeface="Arial"/>
+              <a:buNone/>
+              <a:defRPr sz="1800" b="0" i="0" u="none" strike="noStrike" cap="none">
+                <a:solidFill>
+                  <a:schemeClr val="dk1"/>
+                </a:solidFill>
+                <a:latin typeface="Calibri"/>
+                <a:ea typeface="Calibri"/>
+                <a:cs typeface="Calibri"/>
+                <a:sym typeface="Calibri"/>
+              </a:defRPr>
+            </a:lvl8pPr>
+            <a:lvl9pPr marR="0" lvl="8" algn="l" rtl="0">
+              <a:lnSpc>
+                <a:spcPct val="100000"/>
+              </a:lnSpc>
+              <a:spcBef>
+                <a:spcPts val="0"/>
+              </a:spcBef>
+              <a:spcAft>
+                <a:spcPts val="0"/>
+              </a:spcAft>
+              <a:buClr>
+                <a:srgbClr val="000000"/>
+              </a:buClr>
+              <a:buSzPts val="1400"/>
+              <a:buFont typeface="Arial"/>
+              <a:buNone/>
+              <a:defRPr sz="1800" b="0" i="0" u="none" strike="noStrike" cap="none">
+                <a:solidFill>
+                  <a:schemeClr val="dk1"/>
+                </a:solidFill>
+                <a:latin typeface="Calibri"/>
+                <a:ea typeface="Calibri"/>
+                <a:cs typeface="Calibri"/>
+                <a:sym typeface="Calibri"/>
+              </a:defRPr>
+            </a:lvl9pPr>
+          </a:lstStyle>
+          <a:p>
+            <a:pPr defTabSz="685800"/>
+            <a:endParaRPr lang="ru-RU" dirty="0">
+              <a:solidFill>
+                <a:prstClr val="white"/>
+              </a:solidFill>
+            </a:endParaRPr>
+          </a:p>
+        </p:txBody>
+      </p:sp>
+      <p:pic>
+        <p:nvPicPr>
+          <p:cNvPr id="3074" name="Picture 2" descr="Mastering Exception Handling in Python: Best Practices and Strategies | by  Gopal Khadka | Medium">
+            <a:extLst>
+              <a:ext uri="{FF2B5EF4-FFF2-40B4-BE49-F238E27FC236}">
+                <a16:creationId xmlns:a16="http://schemas.microsoft.com/office/drawing/2014/main" id="{424E9B2D-121A-42DB-A932-C5064FEC3BD3}"/>
+              </a:ext>
+            </a:extLst>
+          </p:cNvPr>
+          <p:cNvPicPr>
+            <a:picLocks noChangeAspect="1" noChangeArrowheads="1"/>
+          </p:cNvPicPr>
+          <p:nvPr/>
+        </p:nvPicPr>
+        <p:blipFill>
+          <a:blip r:embed="rId3">
+            <a:extLst>
+              <a:ext uri="{28A0092B-C50C-407E-A947-70E740481C1C}">
+                <a14:useLocalDpi xmlns:a14="http://schemas.microsoft.com/office/drawing/2010/main" val="0"/>
+              </a:ext>
+            </a:extLst>
+          </a:blip>
+          <a:srcRect/>
+          <a:stretch>
+            <a:fillRect/>
+          </a:stretch>
+        </p:blipFill>
+        <p:spPr bwMode="auto">
+          <a:xfrm>
+            <a:off x="3272980" y="1337882"/>
+            <a:ext cx="6139653" cy="4916614"/>
+          </a:xfrm>
+          <a:prstGeom prst="rect">
+            <a:avLst/>
+          </a:prstGeom>
+          <a:noFill/>
+          <a:extLst>
+            <a:ext uri="{909E8E84-426E-40DD-AFC4-6F175D3DCCD1}">
+              <a14:hiddenFill xmlns:a14="http://schemas.microsoft.com/office/drawing/2010/main">
+                <a:solidFill>
+                  <a:srgbClr val="FFFFFF"/>
+                </a:solidFill>
+              </a14:hiddenFill>
+            </a:ext>
+          </a:extLst>
+        </p:spPr>
+      </p:pic>
+    </p:spTree>
+    <p:extLst>
+      <p:ext uri="{BB962C8B-B14F-4D97-AF65-F5344CB8AC3E}">
+        <p14:creationId xmlns:p14="http://schemas.microsoft.com/office/powerpoint/2010/main" val="2371652898"/>
+      </p:ext>
+    </p:extLst>
+  </p:cSld>
+  <p:clrMapOvr>
+    <a:masterClrMapping/>
+  </p:clrMapOvr>
+</p:sld>
+</file>
+
+<file path=ppt/slides/slide4.xml><?xml version="1.0" encoding="utf-8"?>
+<p:sld xmlns:a="http://schemas.openxmlformats.org/drawingml/2006/main" xmlns:r="http://schemas.openxmlformats.org/officeDocument/2006/relationships" xmlns:p="http://schemas.openxmlformats.org/presentationml/2006/main">
+  <p:cSld>
+    <p:spTree>
+      <p:nvGrpSpPr>
+        <p:cNvPr id="1" name="Shape 313"/>
+        <p:cNvGrpSpPr/>
+        <p:nvPr/>
+      </p:nvGrpSpPr>
+      <p:grpSpPr>
+        <a:xfrm>
+          <a:off x="0" y="0"/>
+          <a:ext cx="0" cy="0"/>
+          <a:chOff x="0" y="0"/>
+          <a:chExt cx="0" cy="0"/>
+        </a:xfrm>
+      </p:grpSpPr>
+      <p:sp>
+        <p:nvSpPr>
+          <p:cNvPr id="3" name="Заголовок 2">
+            <a:extLst>
+              <a:ext uri="{FF2B5EF4-FFF2-40B4-BE49-F238E27FC236}">
+                <a16:creationId xmlns:a16="http://schemas.microsoft.com/office/drawing/2014/main" id="{4FBCF692-FDBC-44BA-859C-92967671B353}"/>
+              </a:ext>
+            </a:extLst>
+          </p:cNvPr>
+          <p:cNvSpPr>
+            <a:spLocks noGrp="1"/>
+          </p:cNvSpPr>
+          <p:nvPr>
+            <p:ph type="title"/>
+          </p:nvPr>
+        </p:nvSpPr>
+        <p:spPr/>
+        <p:txBody>
+          <a:bodyPr>
+            <a:normAutofit/>
+          </a:bodyPr>
+          <a:lstStyle/>
+          <a:p>
+            <a:r>
+              <a:rPr lang="ru-RU" dirty="0"/>
+              <a:t>Исключения</a:t>
+            </a:r>
+          </a:p>
+        </p:txBody>
+      </p:sp>
+      <p:sp>
+        <p:nvSpPr>
+          <p:cNvPr id="6" name="Номер слайда 3">
+            <a:extLst>
+              <a:ext uri="{FF2B5EF4-FFF2-40B4-BE49-F238E27FC236}">
+                <a16:creationId xmlns:a16="http://schemas.microsoft.com/office/drawing/2014/main" id="{A09098B3-FCCC-4206-BB84-6ADD3959B6E3}"/>
+              </a:ext>
+            </a:extLst>
+          </p:cNvPr>
+          <p:cNvSpPr txBox="1">
+            <a:spLocks/>
+          </p:cNvSpPr>
+          <p:nvPr/>
+        </p:nvSpPr>
+        <p:spPr>
+          <a:xfrm>
+            <a:off x="2667147" y="1938528"/>
+            <a:ext cx="0" cy="0"/>
+          </a:xfrm>
+          <a:prstGeom prst="rect">
+            <a:avLst/>
+          </a:prstGeom>
+          <a:noFill/>
+          <a:ln>
+            <a:noFill/>
+          </a:ln>
+        </p:spPr>
+        <p:txBody>
+          <a:bodyPr spcFirstLastPara="1" wrap="square" lIns="91425" tIns="45700" rIns="91425" bIns="45700" anchor="ctr" anchorCtr="0">
+            <a:noAutofit/>
+          </a:bodyPr>
+          <a:lstStyle>
+            <a:defPPr marR="0" lvl="0" algn="l" rtl="0">
+              <a:lnSpc>
+                <a:spcPct val="100000"/>
+              </a:lnSpc>
+              <a:spcBef>
+                <a:spcPts val="0"/>
+              </a:spcBef>
+              <a:spcAft>
+                <a:spcPts val="0"/>
+              </a:spcAft>
+            </a:defPPr>
+            <a:lvl1pPr marR="0" lvl="0" algn="l" rtl="0">
+              <a:lnSpc>
+                <a:spcPct val="100000"/>
+              </a:lnSpc>
+              <a:spcBef>
+                <a:spcPts val="0"/>
+              </a:spcBef>
+              <a:spcAft>
+                <a:spcPts val="0"/>
+              </a:spcAft>
+              <a:buClr>
+                <a:srgbClr val="000000"/>
+              </a:buClr>
+              <a:buSzPts val="1400"/>
+              <a:buFont typeface="Arial"/>
+              <a:buNone/>
+              <a:defRPr sz="1200" b="0" i="0" u="none" strike="noStrike" cap="none">
+                <a:solidFill>
+                  <a:srgbClr val="838C97"/>
+                </a:solidFill>
+                <a:latin typeface="Calibri"/>
+                <a:ea typeface="Calibri"/>
+                <a:cs typeface="Calibri"/>
+                <a:sym typeface="Calibri"/>
+              </a:defRPr>
+            </a:lvl1pPr>
+            <a:lvl2pPr marR="0" lvl="1" algn="l" rtl="0">
+              <a:lnSpc>
+                <a:spcPct val="100000"/>
+              </a:lnSpc>
+              <a:spcBef>
+                <a:spcPts val="0"/>
+              </a:spcBef>
+              <a:spcAft>
+                <a:spcPts val="0"/>
+              </a:spcAft>
+              <a:buClr>
+                <a:srgbClr val="000000"/>
+              </a:buClr>
+              <a:buSzPts val="1400"/>
+              <a:buFont typeface="Arial"/>
+              <a:buNone/>
+              <a:defRPr sz="1800" b="0" i="0" u="none" strike="noStrike" cap="none">
+                <a:solidFill>
+                  <a:schemeClr val="dk1"/>
+                </a:solidFill>
+                <a:latin typeface="Calibri"/>
+                <a:ea typeface="Calibri"/>
+                <a:cs typeface="Calibri"/>
+                <a:sym typeface="Calibri"/>
+              </a:defRPr>
+            </a:lvl2pPr>
+            <a:lvl3pPr marR="0" lvl="2" algn="l" rtl="0">
+              <a:lnSpc>
+                <a:spcPct val="100000"/>
+              </a:lnSpc>
+              <a:spcBef>
+                <a:spcPts val="0"/>
+              </a:spcBef>
+              <a:spcAft>
+                <a:spcPts val="0"/>
+              </a:spcAft>
+              <a:buClr>
+                <a:srgbClr val="000000"/>
+              </a:buClr>
+              <a:buSzPts val="1400"/>
+              <a:buFont typeface="Arial"/>
+              <a:buNone/>
+              <a:defRPr sz="1800" b="0" i="0" u="none" strike="noStrike" cap="none">
+                <a:solidFill>
+                  <a:schemeClr val="dk1"/>
+                </a:solidFill>
+                <a:latin typeface="Calibri"/>
+                <a:ea typeface="Calibri"/>
+                <a:cs typeface="Calibri"/>
+                <a:sym typeface="Calibri"/>
+              </a:defRPr>
+            </a:lvl3pPr>
+            <a:lvl4pPr marR="0" lvl="3" algn="l" rtl="0">
+              <a:lnSpc>
+                <a:spcPct val="100000"/>
+              </a:lnSpc>
+              <a:spcBef>
+                <a:spcPts val="0"/>
+              </a:spcBef>
+              <a:spcAft>
+                <a:spcPts val="0"/>
+              </a:spcAft>
+              <a:buClr>
+                <a:srgbClr val="000000"/>
+              </a:buClr>
+              <a:buSzPts val="1400"/>
+              <a:buFont typeface="Arial"/>
+              <a:buNone/>
+              <a:defRPr sz="1800" b="0" i="0" u="none" strike="noStrike" cap="none">
+                <a:solidFill>
+                  <a:schemeClr val="dk1"/>
+                </a:solidFill>
+                <a:latin typeface="Calibri"/>
+                <a:ea typeface="Calibri"/>
+                <a:cs typeface="Calibri"/>
+                <a:sym typeface="Calibri"/>
+              </a:defRPr>
+            </a:lvl4pPr>
+            <a:lvl5pPr marR="0" lvl="4" algn="l" rtl="0">
+              <a:lnSpc>
+                <a:spcPct val="100000"/>
+              </a:lnSpc>
+              <a:spcBef>
+                <a:spcPts val="0"/>
+              </a:spcBef>
+              <a:spcAft>
+                <a:spcPts val="0"/>
+              </a:spcAft>
+              <a:buClr>
+                <a:srgbClr val="000000"/>
+              </a:buClr>
+              <a:buSzPts val="1400"/>
+              <a:buFont typeface="Arial"/>
+              <a:buNone/>
+              <a:defRPr sz="1800" b="0" i="0" u="none" strike="noStrike" cap="none">
+                <a:solidFill>
+                  <a:schemeClr val="dk1"/>
+                </a:solidFill>
+                <a:latin typeface="Calibri"/>
+                <a:ea typeface="Calibri"/>
+                <a:cs typeface="Calibri"/>
+                <a:sym typeface="Calibri"/>
+              </a:defRPr>
+            </a:lvl5pPr>
+            <a:lvl6pPr marR="0" lvl="5" algn="l" rtl="0">
+              <a:lnSpc>
+                <a:spcPct val="100000"/>
+              </a:lnSpc>
+              <a:spcBef>
+                <a:spcPts val="0"/>
+              </a:spcBef>
+              <a:spcAft>
+                <a:spcPts val="0"/>
+              </a:spcAft>
+              <a:buClr>
+                <a:srgbClr val="000000"/>
+              </a:buClr>
+              <a:buSzPts val="1400"/>
+              <a:buFont typeface="Arial"/>
+              <a:buNone/>
+              <a:defRPr sz="1800" b="0" i="0" u="none" strike="noStrike" cap="none">
+                <a:solidFill>
+                  <a:schemeClr val="dk1"/>
+                </a:solidFill>
+                <a:latin typeface="Calibri"/>
+                <a:ea typeface="Calibri"/>
+                <a:cs typeface="Calibri"/>
+                <a:sym typeface="Calibri"/>
+              </a:defRPr>
+            </a:lvl6pPr>
+            <a:lvl7pPr marR="0" lvl="6" algn="l" rtl="0">
+              <a:lnSpc>
+                <a:spcPct val="100000"/>
+              </a:lnSpc>
+              <a:spcBef>
+                <a:spcPts val="0"/>
+              </a:spcBef>
+              <a:spcAft>
+                <a:spcPts val="0"/>
+              </a:spcAft>
+              <a:buClr>
+                <a:srgbClr val="000000"/>
+              </a:buClr>
+              <a:buSzPts val="1400"/>
+              <a:buFont typeface="Arial"/>
+              <a:buNone/>
+              <a:defRPr sz="1800" b="0" i="0" u="none" strike="noStrike" cap="none">
+                <a:solidFill>
+                  <a:schemeClr val="dk1"/>
+                </a:solidFill>
+                <a:latin typeface="Calibri"/>
+                <a:ea typeface="Calibri"/>
+                <a:cs typeface="Calibri"/>
+                <a:sym typeface="Calibri"/>
+              </a:defRPr>
+            </a:lvl7pPr>
+            <a:lvl8pPr marR="0" lvl="7" algn="l" rtl="0">
+              <a:lnSpc>
+                <a:spcPct val="100000"/>
+              </a:lnSpc>
+              <a:spcBef>
+                <a:spcPts val="0"/>
+              </a:spcBef>
+              <a:spcAft>
+                <a:spcPts val="0"/>
+              </a:spcAft>
+              <a:buClr>
+                <a:srgbClr val="000000"/>
+              </a:buClr>
+              <a:buSzPts val="1400"/>
+              <a:buFont typeface="Arial"/>
+              <a:buNone/>
+              <a:defRPr sz="1800" b="0" i="0" u="none" strike="noStrike" cap="none">
+                <a:solidFill>
+                  <a:schemeClr val="dk1"/>
+                </a:solidFill>
+                <a:latin typeface="Calibri"/>
+                <a:ea typeface="Calibri"/>
+                <a:cs typeface="Calibri"/>
+                <a:sym typeface="Calibri"/>
+              </a:defRPr>
+            </a:lvl8pPr>
+            <a:lvl9pPr marR="0" lvl="8" algn="l" rtl="0">
+              <a:lnSpc>
+                <a:spcPct val="100000"/>
+              </a:lnSpc>
+              <a:spcBef>
+                <a:spcPts val="0"/>
+              </a:spcBef>
+              <a:spcAft>
+                <a:spcPts val="0"/>
+              </a:spcAft>
+              <a:buClr>
+                <a:srgbClr val="000000"/>
+              </a:buClr>
+              <a:buSzPts val="1400"/>
+              <a:buFont typeface="Arial"/>
+              <a:buNone/>
+              <a:defRPr sz="1800" b="0" i="0" u="none" strike="noStrike" cap="none">
+                <a:solidFill>
+                  <a:schemeClr val="dk1"/>
+                </a:solidFill>
+                <a:latin typeface="Calibri"/>
+                <a:ea typeface="Calibri"/>
+                <a:cs typeface="Calibri"/>
+                <a:sym typeface="Calibri"/>
+              </a:defRPr>
+            </a:lvl9pPr>
+          </a:lstStyle>
+          <a:p>
+            <a:pPr defTabSz="685800"/>
+            <a:endParaRPr lang="ru-RU" dirty="0">
+              <a:solidFill>
+                <a:prstClr val="white"/>
+              </a:solidFill>
+            </a:endParaRPr>
+          </a:p>
+        </p:txBody>
+      </p:sp>
+      <p:pic>
+        <p:nvPicPr>
+          <p:cNvPr id="2050" name="Picture 2" descr="28. Введение в обработку исключений. Блоки try / except | Python ООП">
+            <a:extLst>
+              <a:ext uri="{FF2B5EF4-FFF2-40B4-BE49-F238E27FC236}">
+                <a16:creationId xmlns:a16="http://schemas.microsoft.com/office/drawing/2014/main" id="{8964B310-C05C-4B59-BFCD-EF56F1B2AC42}"/>
+              </a:ext>
+            </a:extLst>
+          </p:cNvPr>
+          <p:cNvPicPr>
+            <a:picLocks noChangeAspect="1" noChangeArrowheads="1"/>
+          </p:cNvPicPr>
+          <p:nvPr/>
+        </p:nvPicPr>
+        <p:blipFill>
+          <a:blip r:embed="rId3">
+            <a:extLst>
+              <a:ext uri="{28A0092B-C50C-407E-A947-70E740481C1C}">
+                <a14:useLocalDpi xmlns:a14="http://schemas.microsoft.com/office/drawing/2010/main" val="0"/>
+              </a:ext>
+            </a:extLst>
+          </a:blip>
+          <a:srcRect/>
+          <a:stretch>
+            <a:fillRect/>
+          </a:stretch>
+        </p:blipFill>
+        <p:spPr bwMode="auto">
+          <a:xfrm>
+            <a:off x="2136543" y="1417700"/>
+            <a:ext cx="9534793" cy="5111751"/>
+          </a:xfrm>
+          <a:prstGeom prst="rect">
+            <a:avLst/>
+          </a:prstGeom>
+          <a:noFill/>
+          <a:extLst>
+            <a:ext uri="{909E8E84-426E-40DD-AFC4-6F175D3DCCD1}">
+              <a14:hiddenFill xmlns:a14="http://schemas.microsoft.com/office/drawing/2010/main">
+                <a:solidFill>
+                  <a:srgbClr val="FFFFFF"/>
+                </a:solidFill>
+              </a14:hiddenFill>
+            </a:ext>
+          </a:extLst>
+        </p:spPr>
+      </p:pic>
+    </p:spTree>
+    <p:extLst>
+      <p:ext uri="{BB962C8B-B14F-4D97-AF65-F5344CB8AC3E}">
+        <p14:creationId xmlns:p14="http://schemas.microsoft.com/office/powerpoint/2010/main" val="437654304"/>
+      </p:ext>
+    </p:extLst>
+  </p:cSld>
+  <p:clrMapOvr>
+    <a:masterClrMapping/>
+  </p:clrMapOvr>
+</p:sld>
+</file>
+
+<file path=ppt/slides/slide5.xml><?xml version="1.0" encoding="utf-8"?>
+<p:sld xmlns:a="http://schemas.openxmlformats.org/drawingml/2006/main" xmlns:r="http://schemas.openxmlformats.org/officeDocument/2006/relationships" xmlns:p="http://schemas.openxmlformats.org/presentationml/2006/main">
+  <p:cSld>
+    <p:spTree>
+      <p:nvGrpSpPr>
+        <p:cNvPr id="1" name="Shape 313"/>
+        <p:cNvGrpSpPr/>
+        <p:nvPr/>
+      </p:nvGrpSpPr>
+      <p:grpSpPr>
+        <a:xfrm>
+          <a:off x="0" y="0"/>
+          <a:ext cx="0" cy="0"/>
+          <a:chOff x="0" y="0"/>
+          <a:chExt cx="0" cy="0"/>
+        </a:xfrm>
+      </p:grpSpPr>
+      <p:sp>
+        <p:nvSpPr>
+          <p:cNvPr id="3" name="Заголовок 2">
+            <a:extLst>
+              <a:ext uri="{FF2B5EF4-FFF2-40B4-BE49-F238E27FC236}">
+                <a16:creationId xmlns:a16="http://schemas.microsoft.com/office/drawing/2014/main" id="{4FBCF692-FDBC-44BA-859C-92967671B353}"/>
+              </a:ext>
+            </a:extLst>
+          </p:cNvPr>
+          <p:cNvSpPr>
+            <a:spLocks noGrp="1"/>
+          </p:cNvSpPr>
+          <p:nvPr>
+            <p:ph type="title"/>
+          </p:nvPr>
+        </p:nvSpPr>
+        <p:spPr/>
+        <p:txBody>
+          <a:bodyPr>
+            <a:normAutofit/>
+          </a:bodyPr>
+          <a:lstStyle/>
+          <a:p>
+            <a:r>
+              <a:rPr lang="ru-RU" dirty="0"/>
+              <a:t>Текстовые файлы</a:t>
+            </a:r>
+          </a:p>
+        </p:txBody>
+      </p:sp>
+      <p:sp>
+        <p:nvSpPr>
+          <p:cNvPr id="6" name="Номер слайда 3">
+            <a:extLst>
+              <a:ext uri="{FF2B5EF4-FFF2-40B4-BE49-F238E27FC236}">
+                <a16:creationId xmlns:a16="http://schemas.microsoft.com/office/drawing/2014/main" id="{A09098B3-FCCC-4206-BB84-6ADD3959B6E3}"/>
+              </a:ext>
+            </a:extLst>
+          </p:cNvPr>
+          <p:cNvSpPr txBox="1">
+            <a:spLocks/>
+          </p:cNvSpPr>
+          <p:nvPr/>
+        </p:nvSpPr>
+        <p:spPr>
+          <a:xfrm>
+            <a:off x="2667147" y="1938528"/>
+            <a:ext cx="0" cy="0"/>
+          </a:xfrm>
+          <a:prstGeom prst="rect">
+            <a:avLst/>
+          </a:prstGeom>
+          <a:noFill/>
+          <a:ln>
+            <a:noFill/>
+          </a:ln>
+        </p:spPr>
+        <p:txBody>
+          <a:bodyPr spcFirstLastPara="1" wrap="square" lIns="91425" tIns="45700" rIns="91425" bIns="45700" anchor="ctr" anchorCtr="0">
+            <a:noAutofit/>
+          </a:bodyPr>
+          <a:lstStyle>
+            <a:defPPr marR="0" lvl="0" algn="l" rtl="0">
+              <a:lnSpc>
+                <a:spcPct val="100000"/>
+              </a:lnSpc>
+              <a:spcBef>
+                <a:spcPts val="0"/>
+              </a:spcBef>
+              <a:spcAft>
+                <a:spcPts val="0"/>
+              </a:spcAft>
+            </a:defPPr>
+            <a:lvl1pPr marR="0" lvl="0" algn="l" rtl="0">
+              <a:lnSpc>
+                <a:spcPct val="100000"/>
+              </a:lnSpc>
+              <a:spcBef>
+                <a:spcPts val="0"/>
+              </a:spcBef>
+              <a:spcAft>
+                <a:spcPts val="0"/>
+              </a:spcAft>
+              <a:buClr>
+                <a:srgbClr val="000000"/>
+              </a:buClr>
+              <a:buSzPts val="1400"/>
+              <a:buFont typeface="Arial"/>
+              <a:buNone/>
+              <a:defRPr sz="1200" b="0" i="0" u="none" strike="noStrike" cap="none">
+                <a:solidFill>
+                  <a:srgbClr val="838C97"/>
+                </a:solidFill>
+                <a:latin typeface="Calibri"/>
+                <a:ea typeface="Calibri"/>
+                <a:cs typeface="Calibri"/>
+                <a:sym typeface="Calibri"/>
+              </a:defRPr>
+            </a:lvl1pPr>
+            <a:lvl2pPr marR="0" lvl="1" algn="l" rtl="0">
+              <a:lnSpc>
+                <a:spcPct val="100000"/>
+              </a:lnSpc>
+              <a:spcBef>
+                <a:spcPts val="0"/>
+              </a:spcBef>
+              <a:spcAft>
+                <a:spcPts val="0"/>
+              </a:spcAft>
+              <a:buClr>
+                <a:srgbClr val="000000"/>
+              </a:buClr>
+              <a:buSzPts val="1400"/>
+              <a:buFont typeface="Arial"/>
+              <a:buNone/>
+              <a:defRPr sz="1800" b="0" i="0" u="none" strike="noStrike" cap="none">
+                <a:solidFill>
+                  <a:schemeClr val="dk1"/>
+                </a:solidFill>
+                <a:latin typeface="Calibri"/>
+                <a:ea typeface="Calibri"/>
+                <a:cs typeface="Calibri"/>
+                <a:sym typeface="Calibri"/>
+              </a:defRPr>
+            </a:lvl2pPr>
+            <a:lvl3pPr marR="0" lvl="2" algn="l" rtl="0">
+              <a:lnSpc>
+                <a:spcPct val="100000"/>
+              </a:lnSpc>
+              <a:spcBef>
+                <a:spcPts val="0"/>
+              </a:spcBef>
+              <a:spcAft>
+                <a:spcPts val="0"/>
+              </a:spcAft>
+              <a:buClr>
+                <a:srgbClr val="000000"/>
+              </a:buClr>
+              <a:buSzPts val="1400"/>
+              <a:buFont typeface="Arial"/>
+              <a:buNone/>
+              <a:defRPr sz="1800" b="0" i="0" u="none" strike="noStrike" cap="none">
+                <a:solidFill>
+                  <a:schemeClr val="dk1"/>
+                </a:solidFill>
+                <a:latin typeface="Calibri"/>
+                <a:ea typeface="Calibri"/>
+                <a:cs typeface="Calibri"/>
+                <a:sym typeface="Calibri"/>
+              </a:defRPr>
+            </a:lvl3pPr>
+            <a:lvl4pPr marR="0" lvl="3" algn="l" rtl="0">
+              <a:lnSpc>
+                <a:spcPct val="100000"/>
+              </a:lnSpc>
+              <a:spcBef>
+                <a:spcPts val="0"/>
+              </a:spcBef>
+              <a:spcAft>
+                <a:spcPts val="0"/>
+              </a:spcAft>
+              <a:buClr>
+                <a:srgbClr val="000000"/>
+              </a:buClr>
+              <a:buSzPts val="1400"/>
+              <a:buFont typeface="Arial"/>
+              <a:buNone/>
+              <a:defRPr sz="1800" b="0" i="0" u="none" strike="noStrike" cap="none">
+                <a:solidFill>
+                  <a:schemeClr val="dk1"/>
+                </a:solidFill>
+                <a:latin typeface="Calibri"/>
+                <a:ea typeface="Calibri"/>
+                <a:cs typeface="Calibri"/>
+                <a:sym typeface="Calibri"/>
+              </a:defRPr>
+            </a:lvl4pPr>
+            <a:lvl5pPr marR="0" lvl="4" algn="l" rtl="0">
+              <a:lnSpc>
+                <a:spcPct val="100000"/>
+              </a:lnSpc>
+              <a:spcBef>
+                <a:spcPts val="0"/>
+              </a:spcBef>
+              <a:spcAft>
+                <a:spcPts val="0"/>
+              </a:spcAft>
+              <a:buClr>
+                <a:srgbClr val="000000"/>
+              </a:buClr>
+              <a:buSzPts val="1400"/>
+              <a:buFont typeface="Arial"/>
+              <a:buNone/>
+              <a:defRPr sz="1800" b="0" i="0" u="none" strike="noStrike" cap="none">
+                <a:solidFill>
+                  <a:schemeClr val="dk1"/>
+                </a:solidFill>
+                <a:latin typeface="Calibri"/>
+                <a:ea typeface="Calibri"/>
+                <a:cs typeface="Calibri"/>
+                <a:sym typeface="Calibri"/>
+              </a:defRPr>
+            </a:lvl5pPr>
+            <a:lvl6pPr marR="0" lvl="5" algn="l" rtl="0">
+              <a:lnSpc>
+                <a:spcPct val="100000"/>
+              </a:lnSpc>
+              <a:spcBef>
+                <a:spcPts val="0"/>
+              </a:spcBef>
+              <a:spcAft>
+                <a:spcPts val="0"/>
+              </a:spcAft>
+              <a:buClr>
+                <a:srgbClr val="000000"/>
+              </a:buClr>
+              <a:buSzPts val="1400"/>
+              <a:buFont typeface="Arial"/>
+              <a:buNone/>
+              <a:defRPr sz="1800" b="0" i="0" u="none" strike="noStrike" cap="none">
+                <a:solidFill>
+                  <a:schemeClr val="dk1"/>
+                </a:solidFill>
+                <a:latin typeface="Calibri"/>
+                <a:ea typeface="Calibri"/>
+                <a:cs typeface="Calibri"/>
+                <a:sym typeface="Calibri"/>
+              </a:defRPr>
+            </a:lvl6pPr>
+            <a:lvl7pPr marR="0" lvl="6" algn="l" rtl="0">
+              <a:lnSpc>
+                <a:spcPct val="100000"/>
+              </a:lnSpc>
+              <a:spcBef>
+                <a:spcPts val="0"/>
+              </a:spcBef>
+              <a:spcAft>
+                <a:spcPts val="0"/>
+              </a:spcAft>
+              <a:buClr>
+                <a:srgbClr val="000000"/>
+              </a:buClr>
+              <a:buSzPts val="1400"/>
+              <a:buFont typeface="Arial"/>
+              <a:buNone/>
+              <a:defRPr sz="1800" b="0" i="0" u="none" strike="noStrike" cap="none">
+                <a:solidFill>
+                  <a:schemeClr val="dk1"/>
+                </a:solidFill>
+                <a:latin typeface="Calibri"/>
+                <a:ea typeface="Calibri"/>
+                <a:cs typeface="Calibri"/>
+                <a:sym typeface="Calibri"/>
+              </a:defRPr>
+            </a:lvl7pPr>
+            <a:lvl8pPr marR="0" lvl="7" algn="l" rtl="0">
+              <a:lnSpc>
+                <a:spcPct val="100000"/>
+              </a:lnSpc>
+              <a:spcBef>
+                <a:spcPts val="0"/>
+              </a:spcBef>
+              <a:spcAft>
+                <a:spcPts val="0"/>
+              </a:spcAft>
+              <a:buClr>
+                <a:srgbClr val="000000"/>
+              </a:buClr>
+              <a:buSzPts val="1400"/>
+              <a:buFont typeface="Arial"/>
+              <a:buNone/>
+              <a:defRPr sz="1800" b="0" i="0" u="none" strike="noStrike" cap="none">
+                <a:solidFill>
+                  <a:schemeClr val="dk1"/>
+                </a:solidFill>
+                <a:latin typeface="Calibri"/>
+                <a:ea typeface="Calibri"/>
+                <a:cs typeface="Calibri"/>
+                <a:sym typeface="Calibri"/>
+              </a:defRPr>
+            </a:lvl8pPr>
+            <a:lvl9pPr marR="0" lvl="8" algn="l" rtl="0">
+              <a:lnSpc>
+                <a:spcPct val="100000"/>
+              </a:lnSpc>
+              <a:spcBef>
+                <a:spcPts val="0"/>
+              </a:spcBef>
+              <a:spcAft>
+                <a:spcPts val="0"/>
+              </a:spcAft>
+              <a:buClr>
+                <a:srgbClr val="000000"/>
+              </a:buClr>
+              <a:buSzPts val="1400"/>
+              <a:buFont typeface="Arial"/>
+              <a:buNone/>
+              <a:defRPr sz="1800" b="0" i="0" u="none" strike="noStrike" cap="none">
+                <a:solidFill>
+                  <a:schemeClr val="dk1"/>
+                </a:solidFill>
+                <a:latin typeface="Calibri"/>
+                <a:ea typeface="Calibri"/>
+                <a:cs typeface="Calibri"/>
+                <a:sym typeface="Calibri"/>
+              </a:defRPr>
+            </a:lvl9pPr>
+          </a:lstStyle>
+          <a:p>
+            <a:pPr defTabSz="685800"/>
+            <a:endParaRPr lang="ru-RU" dirty="0">
+              <a:solidFill>
+                <a:prstClr val="white"/>
+              </a:solidFill>
+            </a:endParaRPr>
+          </a:p>
+        </p:txBody>
+      </p:sp>
+      <p:pic>
+        <p:nvPicPr>
+          <p:cNvPr id="3074" name="Picture 2" descr="Picture background">
+            <a:extLst>
+              <a:ext uri="{FF2B5EF4-FFF2-40B4-BE49-F238E27FC236}">
+                <a16:creationId xmlns:a16="http://schemas.microsoft.com/office/drawing/2014/main" id="{94C2F579-ED66-4AEF-9932-38236322F6FA}"/>
+              </a:ext>
+            </a:extLst>
+          </p:cNvPr>
+          <p:cNvPicPr>
+            <a:picLocks noChangeAspect="1" noChangeArrowheads="1"/>
+          </p:cNvPicPr>
+          <p:nvPr/>
+        </p:nvPicPr>
+        <p:blipFill>
+          <a:blip r:embed="rId3">
+            <a:extLst>
+              <a:ext uri="{28A0092B-C50C-407E-A947-70E740481C1C}">
+                <a14:useLocalDpi xmlns:a14="http://schemas.microsoft.com/office/drawing/2010/main" val="0"/>
+              </a:ext>
+            </a:extLst>
+          </a:blip>
+          <a:srcRect/>
+          <a:stretch>
+            <a:fillRect/>
+          </a:stretch>
+        </p:blipFill>
+        <p:spPr bwMode="auto">
+          <a:xfrm>
+            <a:off x="2249424" y="1379028"/>
+            <a:ext cx="9366504" cy="5268659"/>
+          </a:xfrm>
+          <a:prstGeom prst="rect">
+            <a:avLst/>
+          </a:prstGeom>
+          <a:noFill/>
+          <a:extLst>
+            <a:ext uri="{909E8E84-426E-40DD-AFC4-6F175D3DCCD1}">
+              <a14:hiddenFill xmlns:a14="http://schemas.microsoft.com/office/drawing/2010/main">
+                <a:solidFill>
+                  <a:srgbClr val="FFFFFF"/>
+                </a:solidFill>
+              </a14:hiddenFill>
+            </a:ext>
+          </a:extLst>
+        </p:spPr>
+      </p:pic>
+    </p:spTree>
+    <p:extLst>
+      <p:ext uri="{BB962C8B-B14F-4D97-AF65-F5344CB8AC3E}">
+        <p14:creationId xmlns:p14="http://schemas.microsoft.com/office/powerpoint/2010/main" val="3577487448"/>
+      </p:ext>
+    </p:extLst>
+  </p:cSld>
+  <p:clrMapOvr>
+    <a:masterClrMapping/>
+  </p:clrMapOvr>
+</p:sld>
+</file>
+
+<file path=ppt/slides/slide6.xml><?xml version="1.0" encoding="utf-8"?>
 <p:sld xmlns:a="http://schemas.openxmlformats.org/drawingml/2006/main" xmlns:r="http://schemas.openxmlformats.org/officeDocument/2006/relationships" xmlns:p="http://schemas.openxmlformats.org/presentationml/2006/main">
   <p:cSld>
     <p:spTree>
@@ -29218,7 +31389,7 @@
     </p:spTree>
     <p:extLst>
       <p:ext uri="{BB962C8B-B14F-4D97-AF65-F5344CB8AC3E}">
-        <p14:creationId xmlns:p14="http://schemas.microsoft.com/office/powerpoint/2010/main" val="2400019912"/>
+        <p14:creationId xmlns:p14="http://schemas.microsoft.com/office/powerpoint/2010/main" val="2247481844"/>
       </p:ext>
     </p:extLst>
   </p:cSld>
@@ -29228,7 +31399,7 @@
 </p:sld>
 </file>
 
-<file path=ppt/slides/slide3.xml><?xml version="1.0" encoding="utf-8"?>
+<file path=ppt/slides/slide7.xml><?xml version="1.0" encoding="utf-8"?>
 <p:sld xmlns:a="http://schemas.openxmlformats.org/drawingml/2006/main" xmlns:r="http://schemas.openxmlformats.org/officeDocument/2006/relationships" xmlns:p="http://schemas.openxmlformats.org/presentationml/2006/main">
   <p:cSld>
     <p:spTree>
@@ -29624,7 +31795,7 @@
 </p:sld>
 </file>
 
-<file path=ppt/slides/slide4.xml><?xml version="1.0" encoding="utf-8"?>
+<file path=ppt/slides/slide8.xml><?xml version="1.0" encoding="utf-8"?>
 <p:sld xmlns:a="http://schemas.openxmlformats.org/drawingml/2006/main" xmlns:r="http://schemas.openxmlformats.org/officeDocument/2006/relationships" xmlns:p="http://schemas.openxmlformats.org/presentationml/2006/main">
   <p:cSld>
     <p:spTree>
@@ -30020,7 +32191,7 @@
 </p:sld>
 </file>
 
-<file path=ppt/slides/slide5.xml><?xml version="1.0" encoding="utf-8"?>
+<file path=ppt/slides/slide9.xml><?xml version="1.0" encoding="utf-8"?>
 <p:sld xmlns:a="http://schemas.openxmlformats.org/drawingml/2006/main" xmlns:r="http://schemas.openxmlformats.org/officeDocument/2006/relationships" xmlns:p="http://schemas.openxmlformats.org/presentationml/2006/main">
   <p:cSld>
     <p:spTree>
@@ -30409,526 +32580,6 @@
         <p14:creationId xmlns:p14="http://schemas.microsoft.com/office/powerpoint/2010/main" val="2186116709"/>
       </p:ext>
     </p:extLst>
-  </p:cSld>
-  <p:clrMapOvr>
-    <a:masterClrMapping/>
-  </p:clrMapOvr>
-</p:sld>
-</file>
-
-<file path=ppt/slides/slide6.xml><?xml version="1.0" encoding="utf-8"?>
-<p:sld xmlns:a="http://schemas.openxmlformats.org/drawingml/2006/main" xmlns:r="http://schemas.openxmlformats.org/officeDocument/2006/relationships" xmlns:p="http://schemas.openxmlformats.org/presentationml/2006/main">
-  <p:cSld>
-    <p:spTree>
-      <p:nvGrpSpPr>
-        <p:cNvPr id="1" name="Shape 313"/>
-        <p:cNvGrpSpPr/>
-        <p:nvPr/>
-      </p:nvGrpSpPr>
-      <p:grpSpPr>
-        <a:xfrm>
-          <a:off x="0" y="0"/>
-          <a:ext cx="0" cy="0"/>
-          <a:chOff x="0" y="0"/>
-          <a:chExt cx="0" cy="0"/>
-        </a:xfrm>
-      </p:grpSpPr>
-      <p:sp>
-        <p:nvSpPr>
-          <p:cNvPr id="3" name="Заголовок 2">
-            <a:extLst>
-              <a:ext uri="{FF2B5EF4-FFF2-40B4-BE49-F238E27FC236}">
-                <a16:creationId xmlns:a16="http://schemas.microsoft.com/office/drawing/2014/main" id="{4FBCF692-FDBC-44BA-859C-92967671B353}"/>
-              </a:ext>
-            </a:extLst>
-          </p:cNvPr>
-          <p:cNvSpPr>
-            <a:spLocks noGrp="1"/>
-          </p:cNvSpPr>
-          <p:nvPr>
-            <p:ph type="title"/>
-          </p:nvPr>
-        </p:nvSpPr>
-        <p:spPr/>
-        <p:txBody>
-          <a:bodyPr>
-            <a:normAutofit/>
-          </a:bodyPr>
-          <a:lstStyle/>
-          <a:p>
-            <a:r>
-              <a:rPr lang="ru-RU" dirty="0"/>
-              <a:t>Текстовый файлы</a:t>
-            </a:r>
-          </a:p>
-        </p:txBody>
-      </p:sp>
-      <p:sp>
-        <p:nvSpPr>
-          <p:cNvPr id="6" name="Номер слайда 3">
-            <a:extLst>
-              <a:ext uri="{FF2B5EF4-FFF2-40B4-BE49-F238E27FC236}">
-                <a16:creationId xmlns:a16="http://schemas.microsoft.com/office/drawing/2014/main" id="{A09098B3-FCCC-4206-BB84-6ADD3959B6E3}"/>
-              </a:ext>
-            </a:extLst>
-          </p:cNvPr>
-          <p:cNvSpPr txBox="1">
-            <a:spLocks/>
-          </p:cNvSpPr>
-          <p:nvPr/>
-        </p:nvSpPr>
-        <p:spPr>
-          <a:xfrm>
-            <a:off x="2667147" y="1938528"/>
-            <a:ext cx="0" cy="0"/>
-          </a:xfrm>
-          <a:prstGeom prst="rect">
-            <a:avLst/>
-          </a:prstGeom>
-          <a:noFill/>
-          <a:ln>
-            <a:noFill/>
-          </a:ln>
-        </p:spPr>
-        <p:txBody>
-          <a:bodyPr spcFirstLastPara="1" wrap="square" lIns="91425" tIns="45700" rIns="91425" bIns="45700" anchor="ctr" anchorCtr="0">
-            <a:noAutofit/>
-          </a:bodyPr>
-          <a:lstStyle>
-            <a:defPPr marR="0" lvl="0" algn="l" rtl="0">
-              <a:lnSpc>
-                <a:spcPct val="100000"/>
-              </a:lnSpc>
-              <a:spcBef>
-                <a:spcPts val="0"/>
-              </a:spcBef>
-              <a:spcAft>
-                <a:spcPts val="0"/>
-              </a:spcAft>
-            </a:defPPr>
-            <a:lvl1pPr marR="0" lvl="0" algn="l" rtl="0">
-              <a:lnSpc>
-                <a:spcPct val="100000"/>
-              </a:lnSpc>
-              <a:spcBef>
-                <a:spcPts val="0"/>
-              </a:spcBef>
-              <a:spcAft>
-                <a:spcPts val="0"/>
-              </a:spcAft>
-              <a:buClr>
-                <a:srgbClr val="000000"/>
-              </a:buClr>
-              <a:buSzPts val="1400"/>
-              <a:buFont typeface="Arial"/>
-              <a:buNone/>
-              <a:defRPr sz="1200" b="0" i="0" u="none" strike="noStrike" cap="none">
-                <a:solidFill>
-                  <a:srgbClr val="838C97"/>
-                </a:solidFill>
-                <a:latin typeface="Calibri"/>
-                <a:ea typeface="Calibri"/>
-                <a:cs typeface="Calibri"/>
-                <a:sym typeface="Calibri"/>
-              </a:defRPr>
-            </a:lvl1pPr>
-            <a:lvl2pPr marR="0" lvl="1" algn="l" rtl="0">
-              <a:lnSpc>
-                <a:spcPct val="100000"/>
-              </a:lnSpc>
-              <a:spcBef>
-                <a:spcPts val="0"/>
-              </a:spcBef>
-              <a:spcAft>
-                <a:spcPts val="0"/>
-              </a:spcAft>
-              <a:buClr>
-                <a:srgbClr val="000000"/>
-              </a:buClr>
-              <a:buSzPts val="1400"/>
-              <a:buFont typeface="Arial"/>
-              <a:buNone/>
-              <a:defRPr sz="1800" b="0" i="0" u="none" strike="noStrike" cap="none">
-                <a:solidFill>
-                  <a:schemeClr val="dk1"/>
-                </a:solidFill>
-                <a:latin typeface="Calibri"/>
-                <a:ea typeface="Calibri"/>
-                <a:cs typeface="Calibri"/>
-                <a:sym typeface="Calibri"/>
-              </a:defRPr>
-            </a:lvl2pPr>
-            <a:lvl3pPr marR="0" lvl="2" algn="l" rtl="0">
-              <a:lnSpc>
-                <a:spcPct val="100000"/>
-              </a:lnSpc>
-              <a:spcBef>
-                <a:spcPts val="0"/>
-              </a:spcBef>
-              <a:spcAft>
-                <a:spcPts val="0"/>
-              </a:spcAft>
-              <a:buClr>
-                <a:srgbClr val="000000"/>
-              </a:buClr>
-              <a:buSzPts val="1400"/>
-              <a:buFont typeface="Arial"/>
-              <a:buNone/>
-              <a:defRPr sz="1800" b="0" i="0" u="none" strike="noStrike" cap="none">
-                <a:solidFill>
-                  <a:schemeClr val="dk1"/>
-                </a:solidFill>
-                <a:latin typeface="Calibri"/>
-                <a:ea typeface="Calibri"/>
-                <a:cs typeface="Calibri"/>
-                <a:sym typeface="Calibri"/>
-              </a:defRPr>
-            </a:lvl3pPr>
-            <a:lvl4pPr marR="0" lvl="3" algn="l" rtl="0">
-              <a:lnSpc>
-                <a:spcPct val="100000"/>
-              </a:lnSpc>
-              <a:spcBef>
-                <a:spcPts val="0"/>
-              </a:spcBef>
-              <a:spcAft>
-                <a:spcPts val="0"/>
-              </a:spcAft>
-              <a:buClr>
-                <a:srgbClr val="000000"/>
-              </a:buClr>
-              <a:buSzPts val="1400"/>
-              <a:buFont typeface="Arial"/>
-              <a:buNone/>
-              <a:defRPr sz="1800" b="0" i="0" u="none" strike="noStrike" cap="none">
-                <a:solidFill>
-                  <a:schemeClr val="dk1"/>
-                </a:solidFill>
-                <a:latin typeface="Calibri"/>
-                <a:ea typeface="Calibri"/>
-                <a:cs typeface="Calibri"/>
-                <a:sym typeface="Calibri"/>
-              </a:defRPr>
-            </a:lvl4pPr>
-            <a:lvl5pPr marR="0" lvl="4" algn="l" rtl="0">
-              <a:lnSpc>
-                <a:spcPct val="100000"/>
-              </a:lnSpc>
-              <a:spcBef>
-                <a:spcPts val="0"/>
-              </a:spcBef>
-              <a:spcAft>
-                <a:spcPts val="0"/>
-              </a:spcAft>
-              <a:buClr>
-                <a:srgbClr val="000000"/>
-              </a:buClr>
-              <a:buSzPts val="1400"/>
-              <a:buFont typeface="Arial"/>
-              <a:buNone/>
-              <a:defRPr sz="1800" b="0" i="0" u="none" strike="noStrike" cap="none">
-                <a:solidFill>
-                  <a:schemeClr val="dk1"/>
-                </a:solidFill>
-                <a:latin typeface="Calibri"/>
-                <a:ea typeface="Calibri"/>
-                <a:cs typeface="Calibri"/>
-                <a:sym typeface="Calibri"/>
-              </a:defRPr>
-            </a:lvl5pPr>
-            <a:lvl6pPr marR="0" lvl="5" algn="l" rtl="0">
-              <a:lnSpc>
-                <a:spcPct val="100000"/>
-              </a:lnSpc>
-              <a:spcBef>
-                <a:spcPts val="0"/>
-              </a:spcBef>
-              <a:spcAft>
-                <a:spcPts val="0"/>
-              </a:spcAft>
-              <a:buClr>
-                <a:srgbClr val="000000"/>
-              </a:buClr>
-              <a:buSzPts val="1400"/>
-              <a:buFont typeface="Arial"/>
-              <a:buNone/>
-              <a:defRPr sz="1800" b="0" i="0" u="none" strike="noStrike" cap="none">
-                <a:solidFill>
-                  <a:schemeClr val="dk1"/>
-                </a:solidFill>
-                <a:latin typeface="Calibri"/>
-                <a:ea typeface="Calibri"/>
-                <a:cs typeface="Calibri"/>
-                <a:sym typeface="Calibri"/>
-              </a:defRPr>
-            </a:lvl6pPr>
-            <a:lvl7pPr marR="0" lvl="6" algn="l" rtl="0">
-              <a:lnSpc>
-                <a:spcPct val="100000"/>
-              </a:lnSpc>
-              <a:spcBef>
-                <a:spcPts val="0"/>
-              </a:spcBef>
-              <a:spcAft>
-                <a:spcPts val="0"/>
-              </a:spcAft>
-              <a:buClr>
-                <a:srgbClr val="000000"/>
-              </a:buClr>
-              <a:buSzPts val="1400"/>
-              <a:buFont typeface="Arial"/>
-              <a:buNone/>
-              <a:defRPr sz="1800" b="0" i="0" u="none" strike="noStrike" cap="none">
-                <a:solidFill>
-                  <a:schemeClr val="dk1"/>
-                </a:solidFill>
-                <a:latin typeface="Calibri"/>
-                <a:ea typeface="Calibri"/>
-                <a:cs typeface="Calibri"/>
-                <a:sym typeface="Calibri"/>
-              </a:defRPr>
-            </a:lvl7pPr>
-            <a:lvl8pPr marR="0" lvl="7" algn="l" rtl="0">
-              <a:lnSpc>
-                <a:spcPct val="100000"/>
-              </a:lnSpc>
-              <a:spcBef>
-                <a:spcPts val="0"/>
-              </a:spcBef>
-              <a:spcAft>
-                <a:spcPts val="0"/>
-              </a:spcAft>
-              <a:buClr>
-                <a:srgbClr val="000000"/>
-              </a:buClr>
-              <a:buSzPts val="1400"/>
-              <a:buFont typeface="Arial"/>
-              <a:buNone/>
-              <a:defRPr sz="1800" b="0" i="0" u="none" strike="noStrike" cap="none">
-                <a:solidFill>
-                  <a:schemeClr val="dk1"/>
-                </a:solidFill>
-                <a:latin typeface="Calibri"/>
-                <a:ea typeface="Calibri"/>
-                <a:cs typeface="Calibri"/>
-                <a:sym typeface="Calibri"/>
-              </a:defRPr>
-            </a:lvl8pPr>
-            <a:lvl9pPr marR="0" lvl="8" algn="l" rtl="0">
-              <a:lnSpc>
-                <a:spcPct val="100000"/>
-              </a:lnSpc>
-              <a:spcBef>
-                <a:spcPts val="0"/>
-              </a:spcBef>
-              <a:spcAft>
-                <a:spcPts val="0"/>
-              </a:spcAft>
-              <a:buClr>
-                <a:srgbClr val="000000"/>
-              </a:buClr>
-              <a:buSzPts val="1400"/>
-              <a:buFont typeface="Arial"/>
-              <a:buNone/>
-              <a:defRPr sz="1800" b="0" i="0" u="none" strike="noStrike" cap="none">
-                <a:solidFill>
-                  <a:schemeClr val="dk1"/>
-                </a:solidFill>
-                <a:latin typeface="Calibri"/>
-                <a:ea typeface="Calibri"/>
-                <a:cs typeface="Calibri"/>
-                <a:sym typeface="Calibri"/>
-              </a:defRPr>
-            </a:lvl9pPr>
-          </a:lstStyle>
-          <a:p>
-            <a:pPr defTabSz="685800"/>
-            <a:endParaRPr lang="ru-RU" dirty="0">
-              <a:solidFill>
-                <a:prstClr val="white"/>
-              </a:solidFill>
-            </a:endParaRPr>
-          </a:p>
-        </p:txBody>
-      </p:sp>
-      <p:pic>
-        <p:nvPicPr>
-          <p:cNvPr id="3074" name="Picture 2" descr="Picture background">
-            <a:extLst>
-              <a:ext uri="{FF2B5EF4-FFF2-40B4-BE49-F238E27FC236}">
-                <a16:creationId xmlns:a16="http://schemas.microsoft.com/office/drawing/2014/main" id="{94C2F579-ED66-4AEF-9932-38236322F6FA}"/>
-              </a:ext>
-            </a:extLst>
-          </p:cNvPr>
-          <p:cNvPicPr>
-            <a:picLocks noChangeAspect="1" noChangeArrowheads="1"/>
-          </p:cNvPicPr>
-          <p:nvPr/>
-        </p:nvPicPr>
-        <p:blipFill>
-          <a:blip r:embed="rId3">
-            <a:extLst>
-              <a:ext uri="{28A0092B-C50C-407E-A947-70E740481C1C}">
-                <a14:useLocalDpi xmlns:a14="http://schemas.microsoft.com/office/drawing/2010/main" val="0"/>
-              </a:ext>
-            </a:extLst>
-          </a:blip>
-          <a:srcRect/>
-          <a:stretch>
-            <a:fillRect/>
-          </a:stretch>
-        </p:blipFill>
-        <p:spPr bwMode="auto">
-          <a:xfrm>
-            <a:off x="2249424" y="1379028"/>
-            <a:ext cx="9366504" cy="5268659"/>
-          </a:xfrm>
-          <a:prstGeom prst="rect">
-            <a:avLst/>
-          </a:prstGeom>
-          <a:noFill/>
-          <a:extLst>
-            <a:ext uri="{909E8E84-426E-40DD-AFC4-6F175D3DCCD1}">
-              <a14:hiddenFill xmlns:a14="http://schemas.microsoft.com/office/drawing/2010/main">
-                <a:solidFill>
-                  <a:srgbClr val="FFFFFF"/>
-                </a:solidFill>
-              </a14:hiddenFill>
-            </a:ext>
-          </a:extLst>
-        </p:spPr>
-      </p:pic>
-    </p:spTree>
-    <p:extLst>
-      <p:ext uri="{BB962C8B-B14F-4D97-AF65-F5344CB8AC3E}">
-        <p14:creationId xmlns:p14="http://schemas.microsoft.com/office/powerpoint/2010/main" val="3577487448"/>
-      </p:ext>
-    </p:extLst>
-  </p:cSld>
-  <p:clrMapOvr>
-    <a:masterClrMapping/>
-  </p:clrMapOvr>
-</p:sld>
-</file>
-
-<file path=ppt/slides/slide7.xml><?xml version="1.0" encoding="utf-8"?>
-<p:sld xmlns:a="http://schemas.openxmlformats.org/drawingml/2006/main" xmlns:r="http://schemas.openxmlformats.org/officeDocument/2006/relationships" xmlns:p="http://schemas.openxmlformats.org/presentationml/2006/main">
-  <p:cSld>
-    <p:spTree>
-      <p:nvGrpSpPr>
-        <p:cNvPr id="1" name="Shape 321"/>
-        <p:cNvGrpSpPr/>
-        <p:nvPr/>
-      </p:nvGrpSpPr>
-      <p:grpSpPr>
-        <a:xfrm>
-          <a:off x="0" y="0"/>
-          <a:ext cx="0" cy="0"/>
-          <a:chOff x="0" y="0"/>
-          <a:chExt cx="0" cy="0"/>
-        </a:xfrm>
-      </p:grpSpPr>
-      <p:sp>
-        <p:nvSpPr>
-          <p:cNvPr id="322" name="Google Shape;322;p35"/>
-          <p:cNvSpPr txBox="1">
-            <a:spLocks noGrp="1"/>
-          </p:cNvSpPr>
-          <p:nvPr>
-            <p:ph type="title"/>
-          </p:nvPr>
-        </p:nvSpPr>
-        <p:spPr>
-          <a:xfrm>
-            <a:off x="763600" y="2224563"/>
-            <a:ext cx="10515600" cy="2852700"/>
-          </a:xfrm>
-          <a:prstGeom prst="rect">
-            <a:avLst/>
-          </a:prstGeom>
-          <a:noFill/>
-          <a:ln>
-            <a:noFill/>
-          </a:ln>
-        </p:spPr>
-        <p:txBody>
-          <a:bodyPr spcFirstLastPara="1" wrap="square" lIns="91425" tIns="45700" rIns="91425" bIns="45700" anchor="b" anchorCtr="0">
-            <a:normAutofit/>
-          </a:bodyPr>
-          <a:lstStyle/>
-          <a:p>
-            <a:pPr marL="0" lvl="0" indent="0" algn="l" rtl="0">
-              <a:lnSpc>
-                <a:spcPct val="90000"/>
-              </a:lnSpc>
-              <a:spcBef>
-                <a:spcPts val="0"/>
-              </a:spcBef>
-              <a:spcAft>
-                <a:spcPts val="0"/>
-              </a:spcAft>
-              <a:buClr>
-                <a:schemeClr val="lt1"/>
-              </a:buClr>
-              <a:buSzPts val="6000"/>
-              <a:buFont typeface="Calibri"/>
-              <a:buNone/>
-            </a:pPr>
-            <a:r>
-              <a:rPr lang="en-US"/>
-              <a:t>Спасибо за внимание!</a:t>
-            </a:r>
-            <a:endParaRPr/>
-          </a:p>
-        </p:txBody>
-      </p:sp>
-      <p:sp>
-        <p:nvSpPr>
-          <p:cNvPr id="323" name="Google Shape;323;p35"/>
-          <p:cNvSpPr txBox="1">
-            <a:spLocks noGrp="1"/>
-          </p:cNvSpPr>
-          <p:nvPr>
-            <p:ph type="sldNum" idx="12"/>
-          </p:nvPr>
-        </p:nvSpPr>
-        <p:spPr>
-          <a:xfrm>
-            <a:off x="8610600" y="6356350"/>
-            <a:ext cx="2743200" cy="365125"/>
-          </a:xfrm>
-          <a:prstGeom prst="rect">
-            <a:avLst/>
-          </a:prstGeom>
-          <a:noFill/>
-          <a:ln>
-            <a:noFill/>
-          </a:ln>
-        </p:spPr>
-        <p:txBody>
-          <a:bodyPr spcFirstLastPara="1" wrap="square" lIns="91425" tIns="45700" rIns="91425" bIns="45700" anchor="ctr" anchorCtr="0">
-            <a:noAutofit/>
-          </a:bodyPr>
-          <a:lstStyle/>
-          <a:p>
-            <a:pPr marL="0" lvl="0" indent="0" algn="r" rtl="0">
-              <a:spcBef>
-                <a:spcPts val="0"/>
-              </a:spcBef>
-              <a:spcAft>
-                <a:spcPts val="0"/>
-              </a:spcAft>
-              <a:buNone/>
-            </a:pPr>
-            <a:fld id="{00000000-1234-1234-1234-123412341234}" type="slidenum">
-              <a:rPr lang="en-US"/>
-              <a:t>7</a:t>
-            </a:fld>
-            <a:endParaRPr/>
-          </a:p>
-        </p:txBody>
-      </p:sp>
-    </p:spTree>
   </p:cSld>
   <p:clrMapOvr>
     <a:masterClrMapping/>
